--- a/Замъците в Средновековието.pptx
+++ b/Замъците в Средновековието.pptx
@@ -9,7 +9,6 @@
     <p:sldId id="257" r:id="rId3"/>
     <p:sldId id="258" r:id="rId4"/>
     <p:sldId id="259" r:id="rId5"/>
-    <p:sldId id="260" r:id="rId6"/>
   </p:sldIdLst>
   <p:sldSz cx="12192000" cy="6858000"/>
   <p:notesSz cx="6858000" cy="9144000"/>
@@ -108,7 +107,16 @@
       </a:defRPr>
     </a:lvl9pPr>
   </p:defaultTextStyle>
+  <p:extLst>
+    <p:ext uri="{EFAFB233-063F-42B5-8137-9DF3F51BA10A}">
+      <p15:sldGuideLst xmlns:p15="http://schemas.microsoft.com/office/powerpoint/2012/main"/>
+    </p:ext>
+  </p:extLst>
 </p:presentation>
+</file>
+
+<file path=ppt/revisionInfo.xml><?xml version="1.0" encoding="utf-8"?>
+<p1510:revInfo xmlns:a="http://schemas.openxmlformats.org/drawingml/2006/main" xmlns:r="http://schemas.openxmlformats.org/officeDocument/2006/relationships" xmlns:p1510="http://schemas.microsoft.com/office/powerpoint/2015/10/main"/>
 </file>
 
 <file path=ppt/slideLayouts/slideLayout1.xml><?xml version="1.0" encoding="utf-8"?>
@@ -130,7 +138,13 @@
       </p:grpSpPr>
       <p:sp>
         <p:nvSpPr>
-          <p:cNvPr id="2" name="Title 1"/>
+          <p:cNvPr id="2" name="Title 1">
+            <a:extLst>
+              <a:ext uri="{FF2B5EF4-FFF2-40B4-BE49-F238E27FC236}">
+                <a16:creationId xmlns:a16="http://schemas.microsoft.com/office/drawing/2014/main" id="{35281274-2C86-42BC-BF7A-C5678AD00F6E}"/>
+              </a:ext>
+            </a:extLst>
+          </p:cNvPr>
           <p:cNvSpPr>
             <a:spLocks noGrp="1"/>
           </p:cNvSpPr>
@@ -153,16 +167,21 @@
           </a:lstStyle>
           <a:p>
             <a:r>
-              <a:rPr lang="en-US" smtClean="0"/>
+              <a:rPr lang="en-US"/>
               <a:t>Click to edit Master title style</a:t>
             </a:r>
-            <a:endParaRPr lang="en-GB"/>
-          </a:p>
-        </p:txBody>
-      </p:sp>
-      <p:sp>
-        <p:nvSpPr>
-          <p:cNvPr id="3" name="Subtitle 2"/>
+          </a:p>
+        </p:txBody>
+      </p:sp>
+      <p:sp>
+        <p:nvSpPr>
+          <p:cNvPr id="3" name="Subtitle 2">
+            <a:extLst>
+              <a:ext uri="{FF2B5EF4-FFF2-40B4-BE49-F238E27FC236}">
+                <a16:creationId xmlns:a16="http://schemas.microsoft.com/office/drawing/2014/main" id="{511C6D39-62E4-479B-9A64-0ADD67D2E0F5}"/>
+              </a:ext>
+            </a:extLst>
+          </p:cNvPr>
           <p:cNvSpPr>
             <a:spLocks noGrp="1"/>
           </p:cNvSpPr>
@@ -218,39 +237,50 @@
           </a:lstStyle>
           <a:p>
             <a:r>
+              <a:rPr lang="en-US"/>
+              <a:t>Click to edit Master subtitle style</a:t>
+            </a:r>
+          </a:p>
+        </p:txBody>
+      </p:sp>
+      <p:sp>
+        <p:nvSpPr>
+          <p:cNvPr id="4" name="Date Placeholder 3">
+            <a:extLst>
+              <a:ext uri="{FF2B5EF4-FFF2-40B4-BE49-F238E27FC236}">
+                <a16:creationId xmlns:a16="http://schemas.microsoft.com/office/drawing/2014/main" id="{FAB94EDA-05E2-43CC-BAEF-D1B27D5B1A45}"/>
+              </a:ext>
+            </a:extLst>
+          </p:cNvPr>
+          <p:cNvSpPr>
+            <a:spLocks noGrp="1"/>
+          </p:cNvSpPr>
+          <p:nvPr>
+            <p:ph type="dt" sz="half" idx="10"/>
+          </p:nvPr>
+        </p:nvSpPr>
+        <p:spPr/>
+        <p:txBody>
+          <a:bodyPr/>
+          <a:lstStyle/>
+          <a:p>
+            <a:fld id="{4DFBDBC9-0EA2-46E3-9C21-87DEC10EA451}" type="datetimeFigureOut">
               <a:rPr lang="en-US" smtClean="0"/>
-              <a:t>Click to edit Master subtitle style</a:t>
-            </a:r>
-            <a:endParaRPr lang="en-GB"/>
-          </a:p>
-        </p:txBody>
-      </p:sp>
-      <p:sp>
-        <p:nvSpPr>
-          <p:cNvPr id="4" name="Date Placeholder 3"/>
-          <p:cNvSpPr>
-            <a:spLocks noGrp="1"/>
-          </p:cNvSpPr>
-          <p:nvPr>
-            <p:ph type="dt" sz="half" idx="10"/>
-          </p:nvPr>
-        </p:nvSpPr>
-        <p:spPr/>
-        <p:txBody>
-          <a:bodyPr/>
-          <a:lstStyle/>
-          <a:p>
-            <a:fld id="{AD6F15B0-35DA-4F02-94B2-7C70F94BF55D}" type="datetimeFigureOut">
-              <a:rPr lang="en-GB" smtClean="0"/>
-              <a:t>10/01/2018</a:t>
+              <a:t>1/10/2018</a:t>
             </a:fld>
-            <a:endParaRPr lang="en-GB"/>
-          </a:p>
-        </p:txBody>
-      </p:sp>
-      <p:sp>
-        <p:nvSpPr>
-          <p:cNvPr id="5" name="Footer Placeholder 4"/>
+            <a:endParaRPr lang="en-US"/>
+          </a:p>
+        </p:txBody>
+      </p:sp>
+      <p:sp>
+        <p:nvSpPr>
+          <p:cNvPr id="5" name="Footer Placeholder 4">
+            <a:extLst>
+              <a:ext uri="{FF2B5EF4-FFF2-40B4-BE49-F238E27FC236}">
+                <a16:creationId xmlns:a16="http://schemas.microsoft.com/office/drawing/2014/main" id="{39EDB9C4-9076-4C97-B5D4-517D7E9C19A9}"/>
+              </a:ext>
+            </a:extLst>
+          </p:cNvPr>
           <p:cNvSpPr>
             <a:spLocks noGrp="1"/>
           </p:cNvSpPr>
@@ -263,13 +293,19 @@
           <a:bodyPr/>
           <a:lstStyle/>
           <a:p>
-            <a:endParaRPr lang="en-GB"/>
-          </a:p>
-        </p:txBody>
-      </p:sp>
-      <p:sp>
-        <p:nvSpPr>
-          <p:cNvPr id="6" name="Slide Number Placeholder 5"/>
+            <a:endParaRPr lang="en-US"/>
+          </a:p>
+        </p:txBody>
+      </p:sp>
+      <p:sp>
+        <p:nvSpPr>
+          <p:cNvPr id="6" name="Slide Number Placeholder 5">
+            <a:extLst>
+              <a:ext uri="{FF2B5EF4-FFF2-40B4-BE49-F238E27FC236}">
+                <a16:creationId xmlns:a16="http://schemas.microsoft.com/office/drawing/2014/main" id="{CDD27858-AB5C-40A9-829F-9F107E559B2C}"/>
+              </a:ext>
+            </a:extLst>
+          </p:cNvPr>
           <p:cNvSpPr>
             <a:spLocks noGrp="1"/>
           </p:cNvSpPr>
@@ -282,18 +318,18 @@
           <a:bodyPr/>
           <a:lstStyle/>
           <a:p>
-            <a:fld id="{83E4109A-484E-4B98-A7EB-E2CD3A99B84F}" type="slidenum">
-              <a:rPr lang="en-GB" smtClean="0"/>
+            <a:fld id="{EC633612-F3CB-43F1-9557-BC2A2DF73E7C}" type="slidenum">
+              <a:rPr lang="en-US" smtClean="0"/>
               <a:t>‹#›</a:t>
             </a:fld>
-            <a:endParaRPr lang="en-GB"/>
+            <a:endParaRPr lang="en-US"/>
           </a:p>
         </p:txBody>
       </p:sp>
     </p:spTree>
     <p:extLst>
       <p:ext uri="{BB962C8B-B14F-4D97-AF65-F5344CB8AC3E}">
-        <p14:creationId xmlns:p14="http://schemas.microsoft.com/office/powerpoint/2010/main" val="3292353579"/>
+        <p14:creationId xmlns:p14="http://schemas.microsoft.com/office/powerpoint/2010/main" val="945199027"/>
       </p:ext>
     </p:extLst>
   </p:cSld>
@@ -322,7 +358,13 @@
       </p:grpSpPr>
       <p:sp>
         <p:nvSpPr>
-          <p:cNvPr id="2" name="Title 1"/>
+          <p:cNvPr id="2" name="Title 1">
+            <a:extLst>
+              <a:ext uri="{FF2B5EF4-FFF2-40B4-BE49-F238E27FC236}">
+                <a16:creationId xmlns:a16="http://schemas.microsoft.com/office/drawing/2014/main" id="{24324889-9268-4106-855A-0A5A84C9DB44}"/>
+              </a:ext>
+            </a:extLst>
+          </p:cNvPr>
           <p:cNvSpPr>
             <a:spLocks noGrp="1"/>
           </p:cNvSpPr>
@@ -336,134 +378,156 @@
           <a:lstStyle/>
           <a:p>
             <a:r>
+              <a:rPr lang="en-US"/>
+              <a:t>Click to edit Master title style</a:t>
+            </a:r>
+          </a:p>
+        </p:txBody>
+      </p:sp>
+      <p:sp>
+        <p:nvSpPr>
+          <p:cNvPr id="3" name="Vertical Text Placeholder 2">
+            <a:extLst>
+              <a:ext uri="{FF2B5EF4-FFF2-40B4-BE49-F238E27FC236}">
+                <a16:creationId xmlns:a16="http://schemas.microsoft.com/office/drawing/2014/main" id="{0961A6BD-D7AE-4C55-A52C-06A161620ADF}"/>
+              </a:ext>
+            </a:extLst>
+          </p:cNvPr>
+          <p:cNvSpPr>
+            <a:spLocks noGrp="1"/>
+          </p:cNvSpPr>
+          <p:nvPr>
+            <p:ph type="body" orient="vert" idx="1"/>
+          </p:nvPr>
+        </p:nvSpPr>
+        <p:spPr/>
+        <p:txBody>
+          <a:bodyPr vert="eaVert"/>
+          <a:lstStyle/>
+          <a:p>
+            <a:pPr lvl="0"/>
+            <a:r>
+              <a:rPr lang="en-US"/>
+              <a:t>Edit Master text styles</a:t>
+            </a:r>
+          </a:p>
+          <a:p>
+            <a:pPr lvl="1"/>
+            <a:r>
+              <a:rPr lang="en-US"/>
+              <a:t>Second level</a:t>
+            </a:r>
+          </a:p>
+          <a:p>
+            <a:pPr lvl="2"/>
+            <a:r>
+              <a:rPr lang="en-US"/>
+              <a:t>Third level</a:t>
+            </a:r>
+          </a:p>
+          <a:p>
+            <a:pPr lvl="3"/>
+            <a:r>
+              <a:rPr lang="en-US"/>
+              <a:t>Fourth level</a:t>
+            </a:r>
+          </a:p>
+          <a:p>
+            <a:pPr lvl="4"/>
+            <a:r>
+              <a:rPr lang="en-US"/>
+              <a:t>Fifth level</a:t>
+            </a:r>
+          </a:p>
+        </p:txBody>
+      </p:sp>
+      <p:sp>
+        <p:nvSpPr>
+          <p:cNvPr id="4" name="Date Placeholder 3">
+            <a:extLst>
+              <a:ext uri="{FF2B5EF4-FFF2-40B4-BE49-F238E27FC236}">
+                <a16:creationId xmlns:a16="http://schemas.microsoft.com/office/drawing/2014/main" id="{DB2F5A4C-3D8D-40C6-95F3-483AE73CC4B1}"/>
+              </a:ext>
+            </a:extLst>
+          </p:cNvPr>
+          <p:cNvSpPr>
+            <a:spLocks noGrp="1"/>
+          </p:cNvSpPr>
+          <p:nvPr>
+            <p:ph type="dt" sz="half" idx="10"/>
+          </p:nvPr>
+        </p:nvSpPr>
+        <p:spPr/>
+        <p:txBody>
+          <a:bodyPr/>
+          <a:lstStyle/>
+          <a:p>
+            <a:fld id="{4DFBDBC9-0EA2-46E3-9C21-87DEC10EA451}" type="datetimeFigureOut">
               <a:rPr lang="en-US" smtClean="0"/>
-              <a:t>Click to edit Master title style</a:t>
-            </a:r>
-            <a:endParaRPr lang="en-GB"/>
-          </a:p>
-        </p:txBody>
-      </p:sp>
-      <p:sp>
-        <p:nvSpPr>
-          <p:cNvPr id="3" name="Vertical Text Placeholder 2"/>
-          <p:cNvSpPr>
-            <a:spLocks noGrp="1"/>
-          </p:cNvSpPr>
-          <p:nvPr>
-            <p:ph type="body" orient="vert" idx="1"/>
-          </p:nvPr>
-        </p:nvSpPr>
-        <p:spPr/>
-        <p:txBody>
-          <a:bodyPr vert="eaVert"/>
-          <a:lstStyle/>
-          <a:p>
-            <a:pPr lvl="0"/>
-            <a:r>
+              <a:t>1/10/2018</a:t>
+            </a:fld>
+            <a:endParaRPr lang="en-US"/>
+          </a:p>
+        </p:txBody>
+      </p:sp>
+      <p:sp>
+        <p:nvSpPr>
+          <p:cNvPr id="5" name="Footer Placeholder 4">
+            <a:extLst>
+              <a:ext uri="{FF2B5EF4-FFF2-40B4-BE49-F238E27FC236}">
+                <a16:creationId xmlns:a16="http://schemas.microsoft.com/office/drawing/2014/main" id="{1560458B-25DC-442A-BC8B-AC9FF3DF9AB5}"/>
+              </a:ext>
+            </a:extLst>
+          </p:cNvPr>
+          <p:cNvSpPr>
+            <a:spLocks noGrp="1"/>
+          </p:cNvSpPr>
+          <p:nvPr>
+            <p:ph type="ftr" sz="quarter" idx="11"/>
+          </p:nvPr>
+        </p:nvSpPr>
+        <p:spPr/>
+        <p:txBody>
+          <a:bodyPr/>
+          <a:lstStyle/>
+          <a:p>
+            <a:endParaRPr lang="en-US"/>
+          </a:p>
+        </p:txBody>
+      </p:sp>
+      <p:sp>
+        <p:nvSpPr>
+          <p:cNvPr id="6" name="Slide Number Placeholder 5">
+            <a:extLst>
+              <a:ext uri="{FF2B5EF4-FFF2-40B4-BE49-F238E27FC236}">
+                <a16:creationId xmlns:a16="http://schemas.microsoft.com/office/drawing/2014/main" id="{425E181E-4853-4D0F-88D2-E8608A943BC9}"/>
+              </a:ext>
+            </a:extLst>
+          </p:cNvPr>
+          <p:cNvSpPr>
+            <a:spLocks noGrp="1"/>
+          </p:cNvSpPr>
+          <p:nvPr>
+            <p:ph type="sldNum" sz="quarter" idx="12"/>
+          </p:nvPr>
+        </p:nvSpPr>
+        <p:spPr/>
+        <p:txBody>
+          <a:bodyPr/>
+          <a:lstStyle/>
+          <a:p>
+            <a:fld id="{EC633612-F3CB-43F1-9557-BC2A2DF73E7C}" type="slidenum">
               <a:rPr lang="en-US" smtClean="0"/>
-              <a:t>Edit Master text styles</a:t>
-            </a:r>
-          </a:p>
-          <a:p>
-            <a:pPr lvl="1"/>
-            <a:r>
-              <a:rPr lang="en-US" smtClean="0"/>
-              <a:t>Second level</a:t>
-            </a:r>
-          </a:p>
-          <a:p>
-            <a:pPr lvl="2"/>
-            <a:r>
-              <a:rPr lang="en-US" smtClean="0"/>
-              <a:t>Third level</a:t>
-            </a:r>
-          </a:p>
-          <a:p>
-            <a:pPr lvl="3"/>
-            <a:r>
-              <a:rPr lang="en-US" smtClean="0"/>
-              <a:t>Fourth level</a:t>
-            </a:r>
-          </a:p>
-          <a:p>
-            <a:pPr lvl="4"/>
-            <a:r>
-              <a:rPr lang="en-US" smtClean="0"/>
-              <a:t>Fifth level</a:t>
-            </a:r>
-            <a:endParaRPr lang="en-GB"/>
-          </a:p>
-        </p:txBody>
-      </p:sp>
-      <p:sp>
-        <p:nvSpPr>
-          <p:cNvPr id="4" name="Date Placeholder 3"/>
-          <p:cNvSpPr>
-            <a:spLocks noGrp="1"/>
-          </p:cNvSpPr>
-          <p:nvPr>
-            <p:ph type="dt" sz="half" idx="10"/>
-          </p:nvPr>
-        </p:nvSpPr>
-        <p:spPr/>
-        <p:txBody>
-          <a:bodyPr/>
-          <a:lstStyle/>
-          <a:p>
-            <a:fld id="{AD6F15B0-35DA-4F02-94B2-7C70F94BF55D}" type="datetimeFigureOut">
-              <a:rPr lang="en-GB" smtClean="0"/>
-              <a:t>10/01/2018</a:t>
-            </a:fld>
-            <a:endParaRPr lang="en-GB"/>
-          </a:p>
-        </p:txBody>
-      </p:sp>
-      <p:sp>
-        <p:nvSpPr>
-          <p:cNvPr id="5" name="Footer Placeholder 4"/>
-          <p:cNvSpPr>
-            <a:spLocks noGrp="1"/>
-          </p:cNvSpPr>
-          <p:nvPr>
-            <p:ph type="ftr" sz="quarter" idx="11"/>
-          </p:nvPr>
-        </p:nvSpPr>
-        <p:spPr/>
-        <p:txBody>
-          <a:bodyPr/>
-          <a:lstStyle/>
-          <a:p>
-            <a:endParaRPr lang="en-GB"/>
-          </a:p>
-        </p:txBody>
-      </p:sp>
-      <p:sp>
-        <p:nvSpPr>
-          <p:cNvPr id="6" name="Slide Number Placeholder 5"/>
-          <p:cNvSpPr>
-            <a:spLocks noGrp="1"/>
-          </p:cNvSpPr>
-          <p:nvPr>
-            <p:ph type="sldNum" sz="quarter" idx="12"/>
-          </p:nvPr>
-        </p:nvSpPr>
-        <p:spPr/>
-        <p:txBody>
-          <a:bodyPr/>
-          <a:lstStyle/>
-          <a:p>
-            <a:fld id="{83E4109A-484E-4B98-A7EB-E2CD3A99B84F}" type="slidenum">
-              <a:rPr lang="en-GB" smtClean="0"/>
               <a:t>‹#›</a:t>
             </a:fld>
-            <a:endParaRPr lang="en-GB"/>
+            <a:endParaRPr lang="en-US"/>
           </a:p>
         </p:txBody>
       </p:sp>
     </p:spTree>
     <p:extLst>
       <p:ext uri="{BB962C8B-B14F-4D97-AF65-F5344CB8AC3E}">
-        <p14:creationId xmlns:p14="http://schemas.microsoft.com/office/powerpoint/2010/main" val="859722294"/>
+        <p14:creationId xmlns:p14="http://schemas.microsoft.com/office/powerpoint/2010/main" val="14440221"/>
       </p:ext>
     </p:extLst>
   </p:cSld>
@@ -492,7 +556,13 @@
       </p:grpSpPr>
       <p:sp>
         <p:nvSpPr>
-          <p:cNvPr id="2" name="Vertical Title 1"/>
+          <p:cNvPr id="2" name="Vertical Title 1">
+            <a:extLst>
+              <a:ext uri="{FF2B5EF4-FFF2-40B4-BE49-F238E27FC236}">
+                <a16:creationId xmlns:a16="http://schemas.microsoft.com/office/drawing/2014/main" id="{766648AE-5DD9-40FD-B2D6-B9B361765879}"/>
+              </a:ext>
+            </a:extLst>
+          </p:cNvPr>
           <p:cNvSpPr>
             <a:spLocks noGrp="1"/>
           </p:cNvSpPr>
@@ -511,16 +581,21 @@
           <a:lstStyle/>
           <a:p>
             <a:r>
-              <a:rPr lang="en-US" smtClean="0"/>
+              <a:rPr lang="en-US"/>
               <a:t>Click to edit Master title style</a:t>
             </a:r>
-            <a:endParaRPr lang="en-GB"/>
-          </a:p>
-        </p:txBody>
-      </p:sp>
-      <p:sp>
-        <p:nvSpPr>
-          <p:cNvPr id="3" name="Vertical Text Placeholder 2"/>
+          </a:p>
+        </p:txBody>
+      </p:sp>
+      <p:sp>
+        <p:nvSpPr>
+          <p:cNvPr id="3" name="Vertical Text Placeholder 2">
+            <a:extLst>
+              <a:ext uri="{FF2B5EF4-FFF2-40B4-BE49-F238E27FC236}">
+                <a16:creationId xmlns:a16="http://schemas.microsoft.com/office/drawing/2014/main" id="{E831097B-E105-4B47-9DC0-9ACE3A7F52FB}"/>
+              </a:ext>
+            </a:extLst>
+          </p:cNvPr>
           <p:cNvSpPr>
             <a:spLocks noGrp="1"/>
           </p:cNvSpPr>
@@ -540,110 +615,127 @@
           <a:p>
             <a:pPr lvl="0"/>
             <a:r>
+              <a:rPr lang="en-US"/>
+              <a:t>Edit Master text styles</a:t>
+            </a:r>
+          </a:p>
+          <a:p>
+            <a:pPr lvl="1"/>
+            <a:r>
+              <a:rPr lang="en-US"/>
+              <a:t>Second level</a:t>
+            </a:r>
+          </a:p>
+          <a:p>
+            <a:pPr lvl="2"/>
+            <a:r>
+              <a:rPr lang="en-US"/>
+              <a:t>Third level</a:t>
+            </a:r>
+          </a:p>
+          <a:p>
+            <a:pPr lvl="3"/>
+            <a:r>
+              <a:rPr lang="en-US"/>
+              <a:t>Fourth level</a:t>
+            </a:r>
+          </a:p>
+          <a:p>
+            <a:pPr lvl="4"/>
+            <a:r>
+              <a:rPr lang="en-US"/>
+              <a:t>Fifth level</a:t>
+            </a:r>
+          </a:p>
+        </p:txBody>
+      </p:sp>
+      <p:sp>
+        <p:nvSpPr>
+          <p:cNvPr id="4" name="Date Placeholder 3">
+            <a:extLst>
+              <a:ext uri="{FF2B5EF4-FFF2-40B4-BE49-F238E27FC236}">
+                <a16:creationId xmlns:a16="http://schemas.microsoft.com/office/drawing/2014/main" id="{BCBF15F7-773B-4908-B77C-63CB1D99BD70}"/>
+              </a:ext>
+            </a:extLst>
+          </p:cNvPr>
+          <p:cNvSpPr>
+            <a:spLocks noGrp="1"/>
+          </p:cNvSpPr>
+          <p:nvPr>
+            <p:ph type="dt" sz="half" idx="10"/>
+          </p:nvPr>
+        </p:nvSpPr>
+        <p:spPr/>
+        <p:txBody>
+          <a:bodyPr/>
+          <a:lstStyle/>
+          <a:p>
+            <a:fld id="{4DFBDBC9-0EA2-46E3-9C21-87DEC10EA451}" type="datetimeFigureOut">
               <a:rPr lang="en-US" smtClean="0"/>
-              <a:t>Edit Master text styles</a:t>
-            </a:r>
-          </a:p>
-          <a:p>
-            <a:pPr lvl="1"/>
-            <a:r>
+              <a:t>1/10/2018</a:t>
+            </a:fld>
+            <a:endParaRPr lang="en-US"/>
+          </a:p>
+        </p:txBody>
+      </p:sp>
+      <p:sp>
+        <p:nvSpPr>
+          <p:cNvPr id="5" name="Footer Placeholder 4">
+            <a:extLst>
+              <a:ext uri="{FF2B5EF4-FFF2-40B4-BE49-F238E27FC236}">
+                <a16:creationId xmlns:a16="http://schemas.microsoft.com/office/drawing/2014/main" id="{6502F302-6AA1-4AB0-901A-7FE106104BAE}"/>
+              </a:ext>
+            </a:extLst>
+          </p:cNvPr>
+          <p:cNvSpPr>
+            <a:spLocks noGrp="1"/>
+          </p:cNvSpPr>
+          <p:nvPr>
+            <p:ph type="ftr" sz="quarter" idx="11"/>
+          </p:nvPr>
+        </p:nvSpPr>
+        <p:spPr/>
+        <p:txBody>
+          <a:bodyPr/>
+          <a:lstStyle/>
+          <a:p>
+            <a:endParaRPr lang="en-US"/>
+          </a:p>
+        </p:txBody>
+      </p:sp>
+      <p:sp>
+        <p:nvSpPr>
+          <p:cNvPr id="6" name="Slide Number Placeholder 5">
+            <a:extLst>
+              <a:ext uri="{FF2B5EF4-FFF2-40B4-BE49-F238E27FC236}">
+                <a16:creationId xmlns:a16="http://schemas.microsoft.com/office/drawing/2014/main" id="{6CC021C8-E5B3-4A9C-A8B7-8635B8A06815}"/>
+              </a:ext>
+            </a:extLst>
+          </p:cNvPr>
+          <p:cNvSpPr>
+            <a:spLocks noGrp="1"/>
+          </p:cNvSpPr>
+          <p:nvPr>
+            <p:ph type="sldNum" sz="quarter" idx="12"/>
+          </p:nvPr>
+        </p:nvSpPr>
+        <p:spPr/>
+        <p:txBody>
+          <a:bodyPr/>
+          <a:lstStyle/>
+          <a:p>
+            <a:fld id="{EC633612-F3CB-43F1-9557-BC2A2DF73E7C}" type="slidenum">
               <a:rPr lang="en-US" smtClean="0"/>
-              <a:t>Second level</a:t>
-            </a:r>
-          </a:p>
-          <a:p>
-            <a:pPr lvl="2"/>
-            <a:r>
-              <a:rPr lang="en-US" smtClean="0"/>
-              <a:t>Third level</a:t>
-            </a:r>
-          </a:p>
-          <a:p>
-            <a:pPr lvl="3"/>
-            <a:r>
-              <a:rPr lang="en-US" smtClean="0"/>
-              <a:t>Fourth level</a:t>
-            </a:r>
-          </a:p>
-          <a:p>
-            <a:pPr lvl="4"/>
-            <a:r>
-              <a:rPr lang="en-US" smtClean="0"/>
-              <a:t>Fifth level</a:t>
-            </a:r>
-            <a:endParaRPr lang="en-GB"/>
-          </a:p>
-        </p:txBody>
-      </p:sp>
-      <p:sp>
-        <p:nvSpPr>
-          <p:cNvPr id="4" name="Date Placeholder 3"/>
-          <p:cNvSpPr>
-            <a:spLocks noGrp="1"/>
-          </p:cNvSpPr>
-          <p:nvPr>
-            <p:ph type="dt" sz="half" idx="10"/>
-          </p:nvPr>
-        </p:nvSpPr>
-        <p:spPr/>
-        <p:txBody>
-          <a:bodyPr/>
-          <a:lstStyle/>
-          <a:p>
-            <a:fld id="{AD6F15B0-35DA-4F02-94B2-7C70F94BF55D}" type="datetimeFigureOut">
-              <a:rPr lang="en-GB" smtClean="0"/>
-              <a:t>10/01/2018</a:t>
-            </a:fld>
-            <a:endParaRPr lang="en-GB"/>
-          </a:p>
-        </p:txBody>
-      </p:sp>
-      <p:sp>
-        <p:nvSpPr>
-          <p:cNvPr id="5" name="Footer Placeholder 4"/>
-          <p:cNvSpPr>
-            <a:spLocks noGrp="1"/>
-          </p:cNvSpPr>
-          <p:nvPr>
-            <p:ph type="ftr" sz="quarter" idx="11"/>
-          </p:nvPr>
-        </p:nvSpPr>
-        <p:spPr/>
-        <p:txBody>
-          <a:bodyPr/>
-          <a:lstStyle/>
-          <a:p>
-            <a:endParaRPr lang="en-GB"/>
-          </a:p>
-        </p:txBody>
-      </p:sp>
-      <p:sp>
-        <p:nvSpPr>
-          <p:cNvPr id="6" name="Slide Number Placeholder 5"/>
-          <p:cNvSpPr>
-            <a:spLocks noGrp="1"/>
-          </p:cNvSpPr>
-          <p:nvPr>
-            <p:ph type="sldNum" sz="quarter" idx="12"/>
-          </p:nvPr>
-        </p:nvSpPr>
-        <p:spPr/>
-        <p:txBody>
-          <a:bodyPr/>
-          <a:lstStyle/>
-          <a:p>
-            <a:fld id="{83E4109A-484E-4B98-A7EB-E2CD3A99B84F}" type="slidenum">
-              <a:rPr lang="en-GB" smtClean="0"/>
               <a:t>‹#›</a:t>
             </a:fld>
-            <a:endParaRPr lang="en-GB"/>
+            <a:endParaRPr lang="en-US"/>
           </a:p>
         </p:txBody>
       </p:sp>
     </p:spTree>
     <p:extLst>
       <p:ext uri="{BB962C8B-B14F-4D97-AF65-F5344CB8AC3E}">
-        <p14:creationId xmlns:p14="http://schemas.microsoft.com/office/powerpoint/2010/main" val="3425326819"/>
+        <p14:creationId xmlns:p14="http://schemas.microsoft.com/office/powerpoint/2010/main" val="2634447273"/>
       </p:ext>
     </p:extLst>
   </p:cSld>
@@ -672,7 +764,13 @@
       </p:grpSpPr>
       <p:sp>
         <p:nvSpPr>
-          <p:cNvPr id="2" name="Title 1"/>
+          <p:cNvPr id="2" name="Title 1">
+            <a:extLst>
+              <a:ext uri="{FF2B5EF4-FFF2-40B4-BE49-F238E27FC236}">
+                <a16:creationId xmlns:a16="http://schemas.microsoft.com/office/drawing/2014/main" id="{42F96C69-194C-4355-ACD2-EAF3B8A12A7B}"/>
+              </a:ext>
+            </a:extLst>
+          </p:cNvPr>
           <p:cNvSpPr>
             <a:spLocks noGrp="1"/>
           </p:cNvSpPr>
@@ -686,134 +784,156 @@
           <a:lstStyle/>
           <a:p>
             <a:r>
+              <a:rPr lang="en-US"/>
+              <a:t>Click to edit Master title style</a:t>
+            </a:r>
+          </a:p>
+        </p:txBody>
+      </p:sp>
+      <p:sp>
+        <p:nvSpPr>
+          <p:cNvPr id="3" name="Content Placeholder 2">
+            <a:extLst>
+              <a:ext uri="{FF2B5EF4-FFF2-40B4-BE49-F238E27FC236}">
+                <a16:creationId xmlns:a16="http://schemas.microsoft.com/office/drawing/2014/main" id="{0B78AE16-9E3E-484D-B53F-8E226FC1A325}"/>
+              </a:ext>
+            </a:extLst>
+          </p:cNvPr>
+          <p:cNvSpPr>
+            <a:spLocks noGrp="1"/>
+          </p:cNvSpPr>
+          <p:nvPr>
+            <p:ph idx="1"/>
+          </p:nvPr>
+        </p:nvSpPr>
+        <p:spPr/>
+        <p:txBody>
+          <a:bodyPr/>
+          <a:lstStyle/>
+          <a:p>
+            <a:pPr lvl="0"/>
+            <a:r>
+              <a:rPr lang="en-US"/>
+              <a:t>Edit Master text styles</a:t>
+            </a:r>
+          </a:p>
+          <a:p>
+            <a:pPr lvl="1"/>
+            <a:r>
+              <a:rPr lang="en-US"/>
+              <a:t>Second level</a:t>
+            </a:r>
+          </a:p>
+          <a:p>
+            <a:pPr lvl="2"/>
+            <a:r>
+              <a:rPr lang="en-US"/>
+              <a:t>Third level</a:t>
+            </a:r>
+          </a:p>
+          <a:p>
+            <a:pPr lvl="3"/>
+            <a:r>
+              <a:rPr lang="en-US"/>
+              <a:t>Fourth level</a:t>
+            </a:r>
+          </a:p>
+          <a:p>
+            <a:pPr lvl="4"/>
+            <a:r>
+              <a:rPr lang="en-US"/>
+              <a:t>Fifth level</a:t>
+            </a:r>
+          </a:p>
+        </p:txBody>
+      </p:sp>
+      <p:sp>
+        <p:nvSpPr>
+          <p:cNvPr id="4" name="Date Placeholder 3">
+            <a:extLst>
+              <a:ext uri="{FF2B5EF4-FFF2-40B4-BE49-F238E27FC236}">
+                <a16:creationId xmlns:a16="http://schemas.microsoft.com/office/drawing/2014/main" id="{D3306B9F-27EF-4EB6-B478-5D7E225E6F1C}"/>
+              </a:ext>
+            </a:extLst>
+          </p:cNvPr>
+          <p:cNvSpPr>
+            <a:spLocks noGrp="1"/>
+          </p:cNvSpPr>
+          <p:nvPr>
+            <p:ph type="dt" sz="half" idx="10"/>
+          </p:nvPr>
+        </p:nvSpPr>
+        <p:spPr/>
+        <p:txBody>
+          <a:bodyPr/>
+          <a:lstStyle/>
+          <a:p>
+            <a:fld id="{4DFBDBC9-0EA2-46E3-9C21-87DEC10EA451}" type="datetimeFigureOut">
               <a:rPr lang="en-US" smtClean="0"/>
-              <a:t>Click to edit Master title style</a:t>
-            </a:r>
-            <a:endParaRPr lang="en-GB"/>
-          </a:p>
-        </p:txBody>
-      </p:sp>
-      <p:sp>
-        <p:nvSpPr>
-          <p:cNvPr id="3" name="Content Placeholder 2"/>
-          <p:cNvSpPr>
-            <a:spLocks noGrp="1"/>
-          </p:cNvSpPr>
-          <p:nvPr>
-            <p:ph idx="1"/>
-          </p:nvPr>
-        </p:nvSpPr>
-        <p:spPr/>
-        <p:txBody>
-          <a:bodyPr/>
-          <a:lstStyle/>
-          <a:p>
-            <a:pPr lvl="0"/>
-            <a:r>
+              <a:t>1/10/2018</a:t>
+            </a:fld>
+            <a:endParaRPr lang="en-US"/>
+          </a:p>
+        </p:txBody>
+      </p:sp>
+      <p:sp>
+        <p:nvSpPr>
+          <p:cNvPr id="5" name="Footer Placeholder 4">
+            <a:extLst>
+              <a:ext uri="{FF2B5EF4-FFF2-40B4-BE49-F238E27FC236}">
+                <a16:creationId xmlns:a16="http://schemas.microsoft.com/office/drawing/2014/main" id="{63A3A0F7-0A91-44DC-AFFE-9FA6903D87A6}"/>
+              </a:ext>
+            </a:extLst>
+          </p:cNvPr>
+          <p:cNvSpPr>
+            <a:spLocks noGrp="1"/>
+          </p:cNvSpPr>
+          <p:nvPr>
+            <p:ph type="ftr" sz="quarter" idx="11"/>
+          </p:nvPr>
+        </p:nvSpPr>
+        <p:spPr/>
+        <p:txBody>
+          <a:bodyPr/>
+          <a:lstStyle/>
+          <a:p>
+            <a:endParaRPr lang="en-US"/>
+          </a:p>
+        </p:txBody>
+      </p:sp>
+      <p:sp>
+        <p:nvSpPr>
+          <p:cNvPr id="6" name="Slide Number Placeholder 5">
+            <a:extLst>
+              <a:ext uri="{FF2B5EF4-FFF2-40B4-BE49-F238E27FC236}">
+                <a16:creationId xmlns:a16="http://schemas.microsoft.com/office/drawing/2014/main" id="{DB82BBC6-E3A2-4C1D-B43C-DC0ADA13CE89}"/>
+              </a:ext>
+            </a:extLst>
+          </p:cNvPr>
+          <p:cNvSpPr>
+            <a:spLocks noGrp="1"/>
+          </p:cNvSpPr>
+          <p:nvPr>
+            <p:ph type="sldNum" sz="quarter" idx="12"/>
+          </p:nvPr>
+        </p:nvSpPr>
+        <p:spPr/>
+        <p:txBody>
+          <a:bodyPr/>
+          <a:lstStyle/>
+          <a:p>
+            <a:fld id="{EC633612-F3CB-43F1-9557-BC2A2DF73E7C}" type="slidenum">
               <a:rPr lang="en-US" smtClean="0"/>
-              <a:t>Edit Master text styles</a:t>
-            </a:r>
-          </a:p>
-          <a:p>
-            <a:pPr lvl="1"/>
-            <a:r>
-              <a:rPr lang="en-US" smtClean="0"/>
-              <a:t>Second level</a:t>
-            </a:r>
-          </a:p>
-          <a:p>
-            <a:pPr lvl="2"/>
-            <a:r>
-              <a:rPr lang="en-US" smtClean="0"/>
-              <a:t>Third level</a:t>
-            </a:r>
-          </a:p>
-          <a:p>
-            <a:pPr lvl="3"/>
-            <a:r>
-              <a:rPr lang="en-US" smtClean="0"/>
-              <a:t>Fourth level</a:t>
-            </a:r>
-          </a:p>
-          <a:p>
-            <a:pPr lvl="4"/>
-            <a:r>
-              <a:rPr lang="en-US" smtClean="0"/>
-              <a:t>Fifth level</a:t>
-            </a:r>
-            <a:endParaRPr lang="en-GB"/>
-          </a:p>
-        </p:txBody>
-      </p:sp>
-      <p:sp>
-        <p:nvSpPr>
-          <p:cNvPr id="4" name="Date Placeholder 3"/>
-          <p:cNvSpPr>
-            <a:spLocks noGrp="1"/>
-          </p:cNvSpPr>
-          <p:nvPr>
-            <p:ph type="dt" sz="half" idx="10"/>
-          </p:nvPr>
-        </p:nvSpPr>
-        <p:spPr/>
-        <p:txBody>
-          <a:bodyPr/>
-          <a:lstStyle/>
-          <a:p>
-            <a:fld id="{AD6F15B0-35DA-4F02-94B2-7C70F94BF55D}" type="datetimeFigureOut">
-              <a:rPr lang="en-GB" smtClean="0"/>
-              <a:t>10/01/2018</a:t>
-            </a:fld>
-            <a:endParaRPr lang="en-GB"/>
-          </a:p>
-        </p:txBody>
-      </p:sp>
-      <p:sp>
-        <p:nvSpPr>
-          <p:cNvPr id="5" name="Footer Placeholder 4"/>
-          <p:cNvSpPr>
-            <a:spLocks noGrp="1"/>
-          </p:cNvSpPr>
-          <p:nvPr>
-            <p:ph type="ftr" sz="quarter" idx="11"/>
-          </p:nvPr>
-        </p:nvSpPr>
-        <p:spPr/>
-        <p:txBody>
-          <a:bodyPr/>
-          <a:lstStyle/>
-          <a:p>
-            <a:endParaRPr lang="en-GB"/>
-          </a:p>
-        </p:txBody>
-      </p:sp>
-      <p:sp>
-        <p:nvSpPr>
-          <p:cNvPr id="6" name="Slide Number Placeholder 5"/>
-          <p:cNvSpPr>
-            <a:spLocks noGrp="1"/>
-          </p:cNvSpPr>
-          <p:nvPr>
-            <p:ph type="sldNum" sz="quarter" idx="12"/>
-          </p:nvPr>
-        </p:nvSpPr>
-        <p:spPr/>
-        <p:txBody>
-          <a:bodyPr/>
-          <a:lstStyle/>
-          <a:p>
-            <a:fld id="{83E4109A-484E-4B98-A7EB-E2CD3A99B84F}" type="slidenum">
-              <a:rPr lang="en-GB" smtClean="0"/>
               <a:t>‹#›</a:t>
             </a:fld>
-            <a:endParaRPr lang="en-GB"/>
+            <a:endParaRPr lang="en-US"/>
           </a:p>
         </p:txBody>
       </p:sp>
     </p:spTree>
     <p:extLst>
       <p:ext uri="{BB962C8B-B14F-4D97-AF65-F5344CB8AC3E}">
-        <p14:creationId xmlns:p14="http://schemas.microsoft.com/office/powerpoint/2010/main" val="3295800343"/>
+        <p14:creationId xmlns:p14="http://schemas.microsoft.com/office/powerpoint/2010/main" val="1411767725"/>
       </p:ext>
     </p:extLst>
   </p:cSld>
@@ -842,7 +962,13 @@
       </p:grpSpPr>
       <p:sp>
         <p:nvSpPr>
-          <p:cNvPr id="2" name="Title 1"/>
+          <p:cNvPr id="2" name="Title 1">
+            <a:extLst>
+              <a:ext uri="{FF2B5EF4-FFF2-40B4-BE49-F238E27FC236}">
+                <a16:creationId xmlns:a16="http://schemas.microsoft.com/office/drawing/2014/main" id="{402EB5BB-75F3-4ABB-B7E2-A67A39EFA93D}"/>
+              </a:ext>
+            </a:extLst>
+          </p:cNvPr>
           <p:cNvSpPr>
             <a:spLocks noGrp="1"/>
           </p:cNvSpPr>
@@ -865,16 +991,21 @@
           </a:lstStyle>
           <a:p>
             <a:r>
-              <a:rPr lang="en-US" smtClean="0"/>
+              <a:rPr lang="en-US"/>
               <a:t>Click to edit Master title style</a:t>
             </a:r>
-            <a:endParaRPr lang="en-GB"/>
-          </a:p>
-        </p:txBody>
-      </p:sp>
-      <p:sp>
-        <p:nvSpPr>
-          <p:cNvPr id="3" name="Text Placeholder 2"/>
+          </a:p>
+        </p:txBody>
+      </p:sp>
+      <p:sp>
+        <p:nvSpPr>
+          <p:cNvPr id="3" name="Text Placeholder 2">
+            <a:extLst>
+              <a:ext uri="{FF2B5EF4-FFF2-40B4-BE49-F238E27FC236}">
+                <a16:creationId xmlns:a16="http://schemas.microsoft.com/office/drawing/2014/main" id="{D760DC4B-5BE8-4619-8537-F2ECA7C7702D}"/>
+              </a:ext>
+            </a:extLst>
+          </p:cNvPr>
           <p:cNvSpPr>
             <a:spLocks noGrp="1"/>
           </p:cNvSpPr>
@@ -985,38 +1116,50 @@
           <a:p>
             <a:pPr lvl="0"/>
             <a:r>
+              <a:rPr lang="en-US"/>
+              <a:t>Edit Master text styles</a:t>
+            </a:r>
+          </a:p>
+        </p:txBody>
+      </p:sp>
+      <p:sp>
+        <p:nvSpPr>
+          <p:cNvPr id="4" name="Date Placeholder 3">
+            <a:extLst>
+              <a:ext uri="{FF2B5EF4-FFF2-40B4-BE49-F238E27FC236}">
+                <a16:creationId xmlns:a16="http://schemas.microsoft.com/office/drawing/2014/main" id="{A3235862-36E6-4945-9395-28C70149ACE5}"/>
+              </a:ext>
+            </a:extLst>
+          </p:cNvPr>
+          <p:cNvSpPr>
+            <a:spLocks noGrp="1"/>
+          </p:cNvSpPr>
+          <p:nvPr>
+            <p:ph type="dt" sz="half" idx="10"/>
+          </p:nvPr>
+        </p:nvSpPr>
+        <p:spPr/>
+        <p:txBody>
+          <a:bodyPr/>
+          <a:lstStyle/>
+          <a:p>
+            <a:fld id="{4DFBDBC9-0EA2-46E3-9C21-87DEC10EA451}" type="datetimeFigureOut">
               <a:rPr lang="en-US" smtClean="0"/>
-              <a:t>Edit Master text styles</a:t>
-            </a:r>
-          </a:p>
-        </p:txBody>
-      </p:sp>
-      <p:sp>
-        <p:nvSpPr>
-          <p:cNvPr id="4" name="Date Placeholder 3"/>
-          <p:cNvSpPr>
-            <a:spLocks noGrp="1"/>
-          </p:cNvSpPr>
-          <p:nvPr>
-            <p:ph type="dt" sz="half" idx="10"/>
-          </p:nvPr>
-        </p:nvSpPr>
-        <p:spPr/>
-        <p:txBody>
-          <a:bodyPr/>
-          <a:lstStyle/>
-          <a:p>
-            <a:fld id="{AD6F15B0-35DA-4F02-94B2-7C70F94BF55D}" type="datetimeFigureOut">
-              <a:rPr lang="en-GB" smtClean="0"/>
-              <a:t>10/01/2018</a:t>
+              <a:t>1/10/2018</a:t>
             </a:fld>
-            <a:endParaRPr lang="en-GB"/>
-          </a:p>
-        </p:txBody>
-      </p:sp>
-      <p:sp>
-        <p:nvSpPr>
-          <p:cNvPr id="5" name="Footer Placeholder 4"/>
+            <a:endParaRPr lang="en-US"/>
+          </a:p>
+        </p:txBody>
+      </p:sp>
+      <p:sp>
+        <p:nvSpPr>
+          <p:cNvPr id="5" name="Footer Placeholder 4">
+            <a:extLst>
+              <a:ext uri="{FF2B5EF4-FFF2-40B4-BE49-F238E27FC236}">
+                <a16:creationId xmlns:a16="http://schemas.microsoft.com/office/drawing/2014/main" id="{D02F34F5-A71D-48F9-8B50-75E85DA5B9E3}"/>
+              </a:ext>
+            </a:extLst>
+          </p:cNvPr>
           <p:cNvSpPr>
             <a:spLocks noGrp="1"/>
           </p:cNvSpPr>
@@ -1029,13 +1172,19 @@
           <a:bodyPr/>
           <a:lstStyle/>
           <a:p>
-            <a:endParaRPr lang="en-GB"/>
-          </a:p>
-        </p:txBody>
-      </p:sp>
-      <p:sp>
-        <p:nvSpPr>
-          <p:cNvPr id="6" name="Slide Number Placeholder 5"/>
+            <a:endParaRPr lang="en-US"/>
+          </a:p>
+        </p:txBody>
+      </p:sp>
+      <p:sp>
+        <p:nvSpPr>
+          <p:cNvPr id="6" name="Slide Number Placeholder 5">
+            <a:extLst>
+              <a:ext uri="{FF2B5EF4-FFF2-40B4-BE49-F238E27FC236}">
+                <a16:creationId xmlns:a16="http://schemas.microsoft.com/office/drawing/2014/main" id="{EDFE1D2F-BCFF-41BC-B51D-D2DD37FF6C4F}"/>
+              </a:ext>
+            </a:extLst>
+          </p:cNvPr>
           <p:cNvSpPr>
             <a:spLocks noGrp="1"/>
           </p:cNvSpPr>
@@ -1048,18 +1197,18 @@
           <a:bodyPr/>
           <a:lstStyle/>
           <a:p>
-            <a:fld id="{83E4109A-484E-4B98-A7EB-E2CD3A99B84F}" type="slidenum">
-              <a:rPr lang="en-GB" smtClean="0"/>
+            <a:fld id="{EC633612-F3CB-43F1-9557-BC2A2DF73E7C}" type="slidenum">
+              <a:rPr lang="en-US" smtClean="0"/>
               <a:t>‹#›</a:t>
             </a:fld>
-            <a:endParaRPr lang="en-GB"/>
+            <a:endParaRPr lang="en-US"/>
           </a:p>
         </p:txBody>
       </p:sp>
     </p:spTree>
     <p:extLst>
       <p:ext uri="{BB962C8B-B14F-4D97-AF65-F5344CB8AC3E}">
-        <p14:creationId xmlns:p14="http://schemas.microsoft.com/office/powerpoint/2010/main" val="2620089099"/>
+        <p14:creationId xmlns:p14="http://schemas.microsoft.com/office/powerpoint/2010/main" val="346590677"/>
       </p:ext>
     </p:extLst>
   </p:cSld>
@@ -1088,7 +1237,13 @@
       </p:grpSpPr>
       <p:sp>
         <p:nvSpPr>
-          <p:cNvPr id="2" name="Title 1"/>
+          <p:cNvPr id="2" name="Title 1">
+            <a:extLst>
+              <a:ext uri="{FF2B5EF4-FFF2-40B4-BE49-F238E27FC236}">
+                <a16:creationId xmlns:a16="http://schemas.microsoft.com/office/drawing/2014/main" id="{BCC718AC-335D-4A96-B271-B5534C41454E}"/>
+              </a:ext>
+            </a:extLst>
+          </p:cNvPr>
           <p:cNvSpPr>
             <a:spLocks noGrp="1"/>
           </p:cNvSpPr>
@@ -1102,16 +1257,21 @@
           <a:lstStyle/>
           <a:p>
             <a:r>
-              <a:rPr lang="en-US" smtClean="0"/>
+              <a:rPr lang="en-US"/>
               <a:t>Click to edit Master title style</a:t>
             </a:r>
-            <a:endParaRPr lang="en-GB"/>
-          </a:p>
-        </p:txBody>
-      </p:sp>
-      <p:sp>
-        <p:nvSpPr>
-          <p:cNvPr id="3" name="Content Placeholder 2"/>
+          </a:p>
+        </p:txBody>
+      </p:sp>
+      <p:sp>
+        <p:nvSpPr>
+          <p:cNvPr id="3" name="Content Placeholder 2">
+            <a:extLst>
+              <a:ext uri="{FF2B5EF4-FFF2-40B4-BE49-F238E27FC236}">
+                <a16:creationId xmlns:a16="http://schemas.microsoft.com/office/drawing/2014/main" id="{81705509-827C-44BB-98E8-03A5F587E69E}"/>
+              </a:ext>
+            </a:extLst>
+          </p:cNvPr>
           <p:cNvSpPr>
             <a:spLocks noGrp="1"/>
           </p:cNvSpPr>
@@ -1131,44 +1291,49 @@
           <a:p>
             <a:pPr lvl="0"/>
             <a:r>
-              <a:rPr lang="en-US" smtClean="0"/>
+              <a:rPr lang="en-US"/>
               <a:t>Edit Master text styles</a:t>
             </a:r>
           </a:p>
           <a:p>
             <a:pPr lvl="1"/>
             <a:r>
-              <a:rPr lang="en-US" smtClean="0"/>
+              <a:rPr lang="en-US"/>
               <a:t>Second level</a:t>
             </a:r>
           </a:p>
           <a:p>
             <a:pPr lvl="2"/>
             <a:r>
-              <a:rPr lang="en-US" smtClean="0"/>
+              <a:rPr lang="en-US"/>
               <a:t>Third level</a:t>
             </a:r>
           </a:p>
           <a:p>
             <a:pPr lvl="3"/>
             <a:r>
-              <a:rPr lang="en-US" smtClean="0"/>
+              <a:rPr lang="en-US"/>
               <a:t>Fourth level</a:t>
             </a:r>
           </a:p>
           <a:p>
             <a:pPr lvl="4"/>
             <a:r>
-              <a:rPr lang="en-US" smtClean="0"/>
+              <a:rPr lang="en-US"/>
               <a:t>Fifth level</a:t>
             </a:r>
-            <a:endParaRPr lang="en-GB"/>
-          </a:p>
-        </p:txBody>
-      </p:sp>
-      <p:sp>
-        <p:nvSpPr>
-          <p:cNvPr id="4" name="Content Placeholder 3"/>
+          </a:p>
+        </p:txBody>
+      </p:sp>
+      <p:sp>
+        <p:nvSpPr>
+          <p:cNvPr id="4" name="Content Placeholder 3">
+            <a:extLst>
+              <a:ext uri="{FF2B5EF4-FFF2-40B4-BE49-F238E27FC236}">
+                <a16:creationId xmlns:a16="http://schemas.microsoft.com/office/drawing/2014/main" id="{30939A71-D677-4DCE-B34B-430721ECC73A}"/>
+              </a:ext>
+            </a:extLst>
+          </p:cNvPr>
           <p:cNvSpPr>
             <a:spLocks noGrp="1"/>
           </p:cNvSpPr>
@@ -1188,110 +1353,127 @@
           <a:p>
             <a:pPr lvl="0"/>
             <a:r>
+              <a:rPr lang="en-US"/>
+              <a:t>Edit Master text styles</a:t>
+            </a:r>
+          </a:p>
+          <a:p>
+            <a:pPr lvl="1"/>
+            <a:r>
+              <a:rPr lang="en-US"/>
+              <a:t>Second level</a:t>
+            </a:r>
+          </a:p>
+          <a:p>
+            <a:pPr lvl="2"/>
+            <a:r>
+              <a:rPr lang="en-US"/>
+              <a:t>Third level</a:t>
+            </a:r>
+          </a:p>
+          <a:p>
+            <a:pPr lvl="3"/>
+            <a:r>
+              <a:rPr lang="en-US"/>
+              <a:t>Fourth level</a:t>
+            </a:r>
+          </a:p>
+          <a:p>
+            <a:pPr lvl="4"/>
+            <a:r>
+              <a:rPr lang="en-US"/>
+              <a:t>Fifth level</a:t>
+            </a:r>
+          </a:p>
+        </p:txBody>
+      </p:sp>
+      <p:sp>
+        <p:nvSpPr>
+          <p:cNvPr id="5" name="Date Placeholder 4">
+            <a:extLst>
+              <a:ext uri="{FF2B5EF4-FFF2-40B4-BE49-F238E27FC236}">
+                <a16:creationId xmlns:a16="http://schemas.microsoft.com/office/drawing/2014/main" id="{4091054E-0DBF-4EEA-9551-B929DC54E936}"/>
+              </a:ext>
+            </a:extLst>
+          </p:cNvPr>
+          <p:cNvSpPr>
+            <a:spLocks noGrp="1"/>
+          </p:cNvSpPr>
+          <p:nvPr>
+            <p:ph type="dt" sz="half" idx="10"/>
+          </p:nvPr>
+        </p:nvSpPr>
+        <p:spPr/>
+        <p:txBody>
+          <a:bodyPr/>
+          <a:lstStyle/>
+          <a:p>
+            <a:fld id="{4DFBDBC9-0EA2-46E3-9C21-87DEC10EA451}" type="datetimeFigureOut">
               <a:rPr lang="en-US" smtClean="0"/>
-              <a:t>Edit Master text styles</a:t>
-            </a:r>
-          </a:p>
-          <a:p>
-            <a:pPr lvl="1"/>
-            <a:r>
+              <a:t>1/10/2018</a:t>
+            </a:fld>
+            <a:endParaRPr lang="en-US"/>
+          </a:p>
+        </p:txBody>
+      </p:sp>
+      <p:sp>
+        <p:nvSpPr>
+          <p:cNvPr id="6" name="Footer Placeholder 5">
+            <a:extLst>
+              <a:ext uri="{FF2B5EF4-FFF2-40B4-BE49-F238E27FC236}">
+                <a16:creationId xmlns:a16="http://schemas.microsoft.com/office/drawing/2014/main" id="{52459577-7C64-4A48-8BDA-6030EAEAB662}"/>
+              </a:ext>
+            </a:extLst>
+          </p:cNvPr>
+          <p:cNvSpPr>
+            <a:spLocks noGrp="1"/>
+          </p:cNvSpPr>
+          <p:nvPr>
+            <p:ph type="ftr" sz="quarter" idx="11"/>
+          </p:nvPr>
+        </p:nvSpPr>
+        <p:spPr/>
+        <p:txBody>
+          <a:bodyPr/>
+          <a:lstStyle/>
+          <a:p>
+            <a:endParaRPr lang="en-US"/>
+          </a:p>
+        </p:txBody>
+      </p:sp>
+      <p:sp>
+        <p:nvSpPr>
+          <p:cNvPr id="7" name="Slide Number Placeholder 6">
+            <a:extLst>
+              <a:ext uri="{FF2B5EF4-FFF2-40B4-BE49-F238E27FC236}">
+                <a16:creationId xmlns:a16="http://schemas.microsoft.com/office/drawing/2014/main" id="{6BFA66F6-C3DF-4B75-8C28-E5A4285362C6}"/>
+              </a:ext>
+            </a:extLst>
+          </p:cNvPr>
+          <p:cNvSpPr>
+            <a:spLocks noGrp="1"/>
+          </p:cNvSpPr>
+          <p:nvPr>
+            <p:ph type="sldNum" sz="quarter" idx="12"/>
+          </p:nvPr>
+        </p:nvSpPr>
+        <p:spPr/>
+        <p:txBody>
+          <a:bodyPr/>
+          <a:lstStyle/>
+          <a:p>
+            <a:fld id="{EC633612-F3CB-43F1-9557-BC2A2DF73E7C}" type="slidenum">
               <a:rPr lang="en-US" smtClean="0"/>
-              <a:t>Second level</a:t>
-            </a:r>
-          </a:p>
-          <a:p>
-            <a:pPr lvl="2"/>
-            <a:r>
-              <a:rPr lang="en-US" smtClean="0"/>
-              <a:t>Third level</a:t>
-            </a:r>
-          </a:p>
-          <a:p>
-            <a:pPr lvl="3"/>
-            <a:r>
-              <a:rPr lang="en-US" smtClean="0"/>
-              <a:t>Fourth level</a:t>
-            </a:r>
-          </a:p>
-          <a:p>
-            <a:pPr lvl="4"/>
-            <a:r>
-              <a:rPr lang="en-US" smtClean="0"/>
-              <a:t>Fifth level</a:t>
-            </a:r>
-            <a:endParaRPr lang="en-GB"/>
-          </a:p>
-        </p:txBody>
-      </p:sp>
-      <p:sp>
-        <p:nvSpPr>
-          <p:cNvPr id="5" name="Date Placeholder 4"/>
-          <p:cNvSpPr>
-            <a:spLocks noGrp="1"/>
-          </p:cNvSpPr>
-          <p:nvPr>
-            <p:ph type="dt" sz="half" idx="10"/>
-          </p:nvPr>
-        </p:nvSpPr>
-        <p:spPr/>
-        <p:txBody>
-          <a:bodyPr/>
-          <a:lstStyle/>
-          <a:p>
-            <a:fld id="{AD6F15B0-35DA-4F02-94B2-7C70F94BF55D}" type="datetimeFigureOut">
-              <a:rPr lang="en-GB" smtClean="0"/>
-              <a:t>10/01/2018</a:t>
-            </a:fld>
-            <a:endParaRPr lang="en-GB"/>
-          </a:p>
-        </p:txBody>
-      </p:sp>
-      <p:sp>
-        <p:nvSpPr>
-          <p:cNvPr id="6" name="Footer Placeholder 5"/>
-          <p:cNvSpPr>
-            <a:spLocks noGrp="1"/>
-          </p:cNvSpPr>
-          <p:nvPr>
-            <p:ph type="ftr" sz="quarter" idx="11"/>
-          </p:nvPr>
-        </p:nvSpPr>
-        <p:spPr/>
-        <p:txBody>
-          <a:bodyPr/>
-          <a:lstStyle/>
-          <a:p>
-            <a:endParaRPr lang="en-GB"/>
-          </a:p>
-        </p:txBody>
-      </p:sp>
-      <p:sp>
-        <p:nvSpPr>
-          <p:cNvPr id="7" name="Slide Number Placeholder 6"/>
-          <p:cNvSpPr>
-            <a:spLocks noGrp="1"/>
-          </p:cNvSpPr>
-          <p:nvPr>
-            <p:ph type="sldNum" sz="quarter" idx="12"/>
-          </p:nvPr>
-        </p:nvSpPr>
-        <p:spPr/>
-        <p:txBody>
-          <a:bodyPr/>
-          <a:lstStyle/>
-          <a:p>
-            <a:fld id="{83E4109A-484E-4B98-A7EB-E2CD3A99B84F}" type="slidenum">
-              <a:rPr lang="en-GB" smtClean="0"/>
               <a:t>‹#›</a:t>
             </a:fld>
-            <a:endParaRPr lang="en-GB"/>
+            <a:endParaRPr lang="en-US"/>
           </a:p>
         </p:txBody>
       </p:sp>
     </p:spTree>
     <p:extLst>
       <p:ext uri="{BB962C8B-B14F-4D97-AF65-F5344CB8AC3E}">
-        <p14:creationId xmlns:p14="http://schemas.microsoft.com/office/powerpoint/2010/main" val="408437937"/>
+        <p14:creationId xmlns:p14="http://schemas.microsoft.com/office/powerpoint/2010/main" val="3331678740"/>
       </p:ext>
     </p:extLst>
   </p:cSld>
@@ -1320,7 +1502,13 @@
       </p:grpSpPr>
       <p:sp>
         <p:nvSpPr>
-          <p:cNvPr id="2" name="Title 1"/>
+          <p:cNvPr id="2" name="Title 1">
+            <a:extLst>
+              <a:ext uri="{FF2B5EF4-FFF2-40B4-BE49-F238E27FC236}">
+                <a16:creationId xmlns:a16="http://schemas.microsoft.com/office/drawing/2014/main" id="{DFCBB14B-EC28-4EF8-9CFF-D5BF6D29D913}"/>
+              </a:ext>
+            </a:extLst>
+          </p:cNvPr>
           <p:cNvSpPr>
             <a:spLocks noGrp="1"/>
           </p:cNvSpPr>
@@ -1339,16 +1527,21 @@
           <a:lstStyle/>
           <a:p>
             <a:r>
-              <a:rPr lang="en-US" smtClean="0"/>
+              <a:rPr lang="en-US"/>
               <a:t>Click to edit Master title style</a:t>
             </a:r>
-            <a:endParaRPr lang="en-GB"/>
-          </a:p>
-        </p:txBody>
-      </p:sp>
-      <p:sp>
-        <p:nvSpPr>
-          <p:cNvPr id="3" name="Text Placeholder 2"/>
+          </a:p>
+        </p:txBody>
+      </p:sp>
+      <p:sp>
+        <p:nvSpPr>
+          <p:cNvPr id="3" name="Text Placeholder 2">
+            <a:extLst>
+              <a:ext uri="{FF2B5EF4-FFF2-40B4-BE49-F238E27FC236}">
+                <a16:creationId xmlns:a16="http://schemas.microsoft.com/office/drawing/2014/main" id="{CDD1CF72-447B-4656-ACCD-4492693E7F89}"/>
+              </a:ext>
+            </a:extLst>
+          </p:cNvPr>
           <p:cNvSpPr>
             <a:spLocks noGrp="1"/>
           </p:cNvSpPr>
@@ -1405,7 +1598,7 @@
           <a:p>
             <a:pPr lvl="0"/>
             <a:r>
-              <a:rPr lang="en-US" smtClean="0"/>
+              <a:rPr lang="en-US"/>
               <a:t>Edit Master text styles</a:t>
             </a:r>
           </a:p>
@@ -1413,7 +1606,13 @@
       </p:sp>
       <p:sp>
         <p:nvSpPr>
-          <p:cNvPr id="4" name="Content Placeholder 3"/>
+          <p:cNvPr id="4" name="Content Placeholder 3">
+            <a:extLst>
+              <a:ext uri="{FF2B5EF4-FFF2-40B4-BE49-F238E27FC236}">
+                <a16:creationId xmlns:a16="http://schemas.microsoft.com/office/drawing/2014/main" id="{6AFC6C7D-AA95-4FA2-9C73-D4A1DBB8C3C2}"/>
+              </a:ext>
+            </a:extLst>
+          </p:cNvPr>
           <p:cNvSpPr>
             <a:spLocks noGrp="1"/>
           </p:cNvSpPr>
@@ -1433,44 +1632,49 @@
           <a:p>
             <a:pPr lvl="0"/>
             <a:r>
-              <a:rPr lang="en-US" smtClean="0"/>
+              <a:rPr lang="en-US"/>
               <a:t>Edit Master text styles</a:t>
             </a:r>
           </a:p>
           <a:p>
             <a:pPr lvl="1"/>
             <a:r>
-              <a:rPr lang="en-US" smtClean="0"/>
+              <a:rPr lang="en-US"/>
               <a:t>Second level</a:t>
             </a:r>
           </a:p>
           <a:p>
             <a:pPr lvl="2"/>
             <a:r>
-              <a:rPr lang="en-US" smtClean="0"/>
+              <a:rPr lang="en-US"/>
               <a:t>Third level</a:t>
             </a:r>
           </a:p>
           <a:p>
             <a:pPr lvl="3"/>
             <a:r>
-              <a:rPr lang="en-US" smtClean="0"/>
+              <a:rPr lang="en-US"/>
               <a:t>Fourth level</a:t>
             </a:r>
           </a:p>
           <a:p>
             <a:pPr lvl="4"/>
             <a:r>
-              <a:rPr lang="en-US" smtClean="0"/>
+              <a:rPr lang="en-US"/>
               <a:t>Fifth level</a:t>
             </a:r>
-            <a:endParaRPr lang="en-GB"/>
-          </a:p>
-        </p:txBody>
-      </p:sp>
-      <p:sp>
-        <p:nvSpPr>
-          <p:cNvPr id="5" name="Text Placeholder 4"/>
+          </a:p>
+        </p:txBody>
+      </p:sp>
+      <p:sp>
+        <p:nvSpPr>
+          <p:cNvPr id="5" name="Text Placeholder 4">
+            <a:extLst>
+              <a:ext uri="{FF2B5EF4-FFF2-40B4-BE49-F238E27FC236}">
+                <a16:creationId xmlns:a16="http://schemas.microsoft.com/office/drawing/2014/main" id="{312B2479-2D92-4966-87D3-1D2A1C2C8917}"/>
+              </a:ext>
+            </a:extLst>
+          </p:cNvPr>
           <p:cNvSpPr>
             <a:spLocks noGrp="1"/>
           </p:cNvSpPr>
@@ -1527,7 +1731,7 @@
           <a:p>
             <a:pPr lvl="0"/>
             <a:r>
-              <a:rPr lang="en-US" smtClean="0"/>
+              <a:rPr lang="en-US"/>
               <a:t>Edit Master text styles</a:t>
             </a:r>
           </a:p>
@@ -1535,7 +1739,13 @@
       </p:sp>
       <p:sp>
         <p:nvSpPr>
-          <p:cNvPr id="6" name="Content Placeholder 5"/>
+          <p:cNvPr id="6" name="Content Placeholder 5">
+            <a:extLst>
+              <a:ext uri="{FF2B5EF4-FFF2-40B4-BE49-F238E27FC236}">
+                <a16:creationId xmlns:a16="http://schemas.microsoft.com/office/drawing/2014/main" id="{5D82B1A6-24C6-428E-BF10-FA0F883DB063}"/>
+              </a:ext>
+            </a:extLst>
+          </p:cNvPr>
           <p:cNvSpPr>
             <a:spLocks noGrp="1"/>
           </p:cNvSpPr>
@@ -1555,110 +1765,127 @@
           <a:p>
             <a:pPr lvl="0"/>
             <a:r>
+              <a:rPr lang="en-US"/>
+              <a:t>Edit Master text styles</a:t>
+            </a:r>
+          </a:p>
+          <a:p>
+            <a:pPr lvl="1"/>
+            <a:r>
+              <a:rPr lang="en-US"/>
+              <a:t>Second level</a:t>
+            </a:r>
+          </a:p>
+          <a:p>
+            <a:pPr lvl="2"/>
+            <a:r>
+              <a:rPr lang="en-US"/>
+              <a:t>Third level</a:t>
+            </a:r>
+          </a:p>
+          <a:p>
+            <a:pPr lvl="3"/>
+            <a:r>
+              <a:rPr lang="en-US"/>
+              <a:t>Fourth level</a:t>
+            </a:r>
+          </a:p>
+          <a:p>
+            <a:pPr lvl="4"/>
+            <a:r>
+              <a:rPr lang="en-US"/>
+              <a:t>Fifth level</a:t>
+            </a:r>
+          </a:p>
+        </p:txBody>
+      </p:sp>
+      <p:sp>
+        <p:nvSpPr>
+          <p:cNvPr id="7" name="Date Placeholder 6">
+            <a:extLst>
+              <a:ext uri="{FF2B5EF4-FFF2-40B4-BE49-F238E27FC236}">
+                <a16:creationId xmlns:a16="http://schemas.microsoft.com/office/drawing/2014/main" id="{A7F948B0-4B79-4BDF-B49A-256BA6C19A2D}"/>
+              </a:ext>
+            </a:extLst>
+          </p:cNvPr>
+          <p:cNvSpPr>
+            <a:spLocks noGrp="1"/>
+          </p:cNvSpPr>
+          <p:nvPr>
+            <p:ph type="dt" sz="half" idx="10"/>
+          </p:nvPr>
+        </p:nvSpPr>
+        <p:spPr/>
+        <p:txBody>
+          <a:bodyPr/>
+          <a:lstStyle/>
+          <a:p>
+            <a:fld id="{4DFBDBC9-0EA2-46E3-9C21-87DEC10EA451}" type="datetimeFigureOut">
               <a:rPr lang="en-US" smtClean="0"/>
-              <a:t>Edit Master text styles</a:t>
-            </a:r>
-          </a:p>
-          <a:p>
-            <a:pPr lvl="1"/>
-            <a:r>
+              <a:t>1/10/2018</a:t>
+            </a:fld>
+            <a:endParaRPr lang="en-US"/>
+          </a:p>
+        </p:txBody>
+      </p:sp>
+      <p:sp>
+        <p:nvSpPr>
+          <p:cNvPr id="8" name="Footer Placeholder 7">
+            <a:extLst>
+              <a:ext uri="{FF2B5EF4-FFF2-40B4-BE49-F238E27FC236}">
+                <a16:creationId xmlns:a16="http://schemas.microsoft.com/office/drawing/2014/main" id="{78AD7FF7-B10E-4E30-BF1B-320E3D09D670}"/>
+              </a:ext>
+            </a:extLst>
+          </p:cNvPr>
+          <p:cNvSpPr>
+            <a:spLocks noGrp="1"/>
+          </p:cNvSpPr>
+          <p:nvPr>
+            <p:ph type="ftr" sz="quarter" idx="11"/>
+          </p:nvPr>
+        </p:nvSpPr>
+        <p:spPr/>
+        <p:txBody>
+          <a:bodyPr/>
+          <a:lstStyle/>
+          <a:p>
+            <a:endParaRPr lang="en-US"/>
+          </a:p>
+        </p:txBody>
+      </p:sp>
+      <p:sp>
+        <p:nvSpPr>
+          <p:cNvPr id="9" name="Slide Number Placeholder 8">
+            <a:extLst>
+              <a:ext uri="{FF2B5EF4-FFF2-40B4-BE49-F238E27FC236}">
+                <a16:creationId xmlns:a16="http://schemas.microsoft.com/office/drawing/2014/main" id="{FA54692C-D96F-487B-A919-98E69722E9B4}"/>
+              </a:ext>
+            </a:extLst>
+          </p:cNvPr>
+          <p:cNvSpPr>
+            <a:spLocks noGrp="1"/>
+          </p:cNvSpPr>
+          <p:nvPr>
+            <p:ph type="sldNum" sz="quarter" idx="12"/>
+          </p:nvPr>
+        </p:nvSpPr>
+        <p:spPr/>
+        <p:txBody>
+          <a:bodyPr/>
+          <a:lstStyle/>
+          <a:p>
+            <a:fld id="{EC633612-F3CB-43F1-9557-BC2A2DF73E7C}" type="slidenum">
               <a:rPr lang="en-US" smtClean="0"/>
-              <a:t>Second level</a:t>
-            </a:r>
-          </a:p>
-          <a:p>
-            <a:pPr lvl="2"/>
-            <a:r>
-              <a:rPr lang="en-US" smtClean="0"/>
-              <a:t>Third level</a:t>
-            </a:r>
-          </a:p>
-          <a:p>
-            <a:pPr lvl="3"/>
-            <a:r>
-              <a:rPr lang="en-US" smtClean="0"/>
-              <a:t>Fourth level</a:t>
-            </a:r>
-          </a:p>
-          <a:p>
-            <a:pPr lvl="4"/>
-            <a:r>
-              <a:rPr lang="en-US" smtClean="0"/>
-              <a:t>Fifth level</a:t>
-            </a:r>
-            <a:endParaRPr lang="en-GB"/>
-          </a:p>
-        </p:txBody>
-      </p:sp>
-      <p:sp>
-        <p:nvSpPr>
-          <p:cNvPr id="7" name="Date Placeholder 6"/>
-          <p:cNvSpPr>
-            <a:spLocks noGrp="1"/>
-          </p:cNvSpPr>
-          <p:nvPr>
-            <p:ph type="dt" sz="half" idx="10"/>
-          </p:nvPr>
-        </p:nvSpPr>
-        <p:spPr/>
-        <p:txBody>
-          <a:bodyPr/>
-          <a:lstStyle/>
-          <a:p>
-            <a:fld id="{AD6F15B0-35DA-4F02-94B2-7C70F94BF55D}" type="datetimeFigureOut">
-              <a:rPr lang="en-GB" smtClean="0"/>
-              <a:t>10/01/2018</a:t>
-            </a:fld>
-            <a:endParaRPr lang="en-GB"/>
-          </a:p>
-        </p:txBody>
-      </p:sp>
-      <p:sp>
-        <p:nvSpPr>
-          <p:cNvPr id="8" name="Footer Placeholder 7"/>
-          <p:cNvSpPr>
-            <a:spLocks noGrp="1"/>
-          </p:cNvSpPr>
-          <p:nvPr>
-            <p:ph type="ftr" sz="quarter" idx="11"/>
-          </p:nvPr>
-        </p:nvSpPr>
-        <p:spPr/>
-        <p:txBody>
-          <a:bodyPr/>
-          <a:lstStyle/>
-          <a:p>
-            <a:endParaRPr lang="en-GB"/>
-          </a:p>
-        </p:txBody>
-      </p:sp>
-      <p:sp>
-        <p:nvSpPr>
-          <p:cNvPr id="9" name="Slide Number Placeholder 8"/>
-          <p:cNvSpPr>
-            <a:spLocks noGrp="1"/>
-          </p:cNvSpPr>
-          <p:nvPr>
-            <p:ph type="sldNum" sz="quarter" idx="12"/>
-          </p:nvPr>
-        </p:nvSpPr>
-        <p:spPr/>
-        <p:txBody>
-          <a:bodyPr/>
-          <a:lstStyle/>
-          <a:p>
-            <a:fld id="{83E4109A-484E-4B98-A7EB-E2CD3A99B84F}" type="slidenum">
-              <a:rPr lang="en-GB" smtClean="0"/>
               <a:t>‹#›</a:t>
             </a:fld>
-            <a:endParaRPr lang="en-GB"/>
+            <a:endParaRPr lang="en-US"/>
           </a:p>
         </p:txBody>
       </p:sp>
     </p:spTree>
     <p:extLst>
       <p:ext uri="{BB962C8B-B14F-4D97-AF65-F5344CB8AC3E}">
-        <p14:creationId xmlns:p14="http://schemas.microsoft.com/office/powerpoint/2010/main" val="2380024050"/>
+        <p14:creationId xmlns:p14="http://schemas.microsoft.com/office/powerpoint/2010/main" val="3823958712"/>
       </p:ext>
     </p:extLst>
   </p:cSld>
@@ -1687,7 +1914,13 @@
       </p:grpSpPr>
       <p:sp>
         <p:nvSpPr>
-          <p:cNvPr id="2" name="Title 1"/>
+          <p:cNvPr id="2" name="Title 1">
+            <a:extLst>
+              <a:ext uri="{FF2B5EF4-FFF2-40B4-BE49-F238E27FC236}">
+                <a16:creationId xmlns:a16="http://schemas.microsoft.com/office/drawing/2014/main" id="{EE25E677-CE99-4DEE-8549-F95830A44BAF}"/>
+              </a:ext>
+            </a:extLst>
+          </p:cNvPr>
           <p:cNvSpPr>
             <a:spLocks noGrp="1"/>
           </p:cNvSpPr>
@@ -1701,39 +1934,50 @@
           <a:lstStyle/>
           <a:p>
             <a:r>
+              <a:rPr lang="en-US"/>
+              <a:t>Click to edit Master title style</a:t>
+            </a:r>
+          </a:p>
+        </p:txBody>
+      </p:sp>
+      <p:sp>
+        <p:nvSpPr>
+          <p:cNvPr id="3" name="Date Placeholder 2">
+            <a:extLst>
+              <a:ext uri="{FF2B5EF4-FFF2-40B4-BE49-F238E27FC236}">
+                <a16:creationId xmlns:a16="http://schemas.microsoft.com/office/drawing/2014/main" id="{6944343F-8A06-41B3-902C-46078261070D}"/>
+              </a:ext>
+            </a:extLst>
+          </p:cNvPr>
+          <p:cNvSpPr>
+            <a:spLocks noGrp="1"/>
+          </p:cNvSpPr>
+          <p:nvPr>
+            <p:ph type="dt" sz="half" idx="10"/>
+          </p:nvPr>
+        </p:nvSpPr>
+        <p:spPr/>
+        <p:txBody>
+          <a:bodyPr/>
+          <a:lstStyle/>
+          <a:p>
+            <a:fld id="{4DFBDBC9-0EA2-46E3-9C21-87DEC10EA451}" type="datetimeFigureOut">
               <a:rPr lang="en-US" smtClean="0"/>
-              <a:t>Click to edit Master title style</a:t>
-            </a:r>
-            <a:endParaRPr lang="en-GB"/>
-          </a:p>
-        </p:txBody>
-      </p:sp>
-      <p:sp>
-        <p:nvSpPr>
-          <p:cNvPr id="3" name="Date Placeholder 2"/>
-          <p:cNvSpPr>
-            <a:spLocks noGrp="1"/>
-          </p:cNvSpPr>
-          <p:nvPr>
-            <p:ph type="dt" sz="half" idx="10"/>
-          </p:nvPr>
-        </p:nvSpPr>
-        <p:spPr/>
-        <p:txBody>
-          <a:bodyPr/>
-          <a:lstStyle/>
-          <a:p>
-            <a:fld id="{AD6F15B0-35DA-4F02-94B2-7C70F94BF55D}" type="datetimeFigureOut">
-              <a:rPr lang="en-GB" smtClean="0"/>
-              <a:t>10/01/2018</a:t>
+              <a:t>1/10/2018</a:t>
             </a:fld>
-            <a:endParaRPr lang="en-GB"/>
-          </a:p>
-        </p:txBody>
-      </p:sp>
-      <p:sp>
-        <p:nvSpPr>
-          <p:cNvPr id="4" name="Footer Placeholder 3"/>
+            <a:endParaRPr lang="en-US"/>
+          </a:p>
+        </p:txBody>
+      </p:sp>
+      <p:sp>
+        <p:nvSpPr>
+          <p:cNvPr id="4" name="Footer Placeholder 3">
+            <a:extLst>
+              <a:ext uri="{FF2B5EF4-FFF2-40B4-BE49-F238E27FC236}">
+                <a16:creationId xmlns:a16="http://schemas.microsoft.com/office/drawing/2014/main" id="{01CE98B7-0198-4914-8CBD-422A4F64C5DB}"/>
+              </a:ext>
+            </a:extLst>
+          </p:cNvPr>
           <p:cNvSpPr>
             <a:spLocks noGrp="1"/>
           </p:cNvSpPr>
@@ -1746,13 +1990,19 @@
           <a:bodyPr/>
           <a:lstStyle/>
           <a:p>
-            <a:endParaRPr lang="en-GB"/>
-          </a:p>
-        </p:txBody>
-      </p:sp>
-      <p:sp>
-        <p:nvSpPr>
-          <p:cNvPr id="5" name="Slide Number Placeholder 4"/>
+            <a:endParaRPr lang="en-US"/>
+          </a:p>
+        </p:txBody>
+      </p:sp>
+      <p:sp>
+        <p:nvSpPr>
+          <p:cNvPr id="5" name="Slide Number Placeholder 4">
+            <a:extLst>
+              <a:ext uri="{FF2B5EF4-FFF2-40B4-BE49-F238E27FC236}">
+                <a16:creationId xmlns:a16="http://schemas.microsoft.com/office/drawing/2014/main" id="{75CC6437-7D00-4389-951F-11E42F59CC98}"/>
+              </a:ext>
+            </a:extLst>
+          </p:cNvPr>
           <p:cNvSpPr>
             <a:spLocks noGrp="1"/>
           </p:cNvSpPr>
@@ -1765,18 +2015,18 @@
           <a:bodyPr/>
           <a:lstStyle/>
           <a:p>
-            <a:fld id="{83E4109A-484E-4B98-A7EB-E2CD3A99B84F}" type="slidenum">
-              <a:rPr lang="en-GB" smtClean="0"/>
+            <a:fld id="{EC633612-F3CB-43F1-9557-BC2A2DF73E7C}" type="slidenum">
+              <a:rPr lang="en-US" smtClean="0"/>
               <a:t>‹#›</a:t>
             </a:fld>
-            <a:endParaRPr lang="en-GB"/>
+            <a:endParaRPr lang="en-US"/>
           </a:p>
         </p:txBody>
       </p:sp>
     </p:spTree>
     <p:extLst>
       <p:ext uri="{BB962C8B-B14F-4D97-AF65-F5344CB8AC3E}">
-        <p14:creationId xmlns:p14="http://schemas.microsoft.com/office/powerpoint/2010/main" val="445206900"/>
+        <p14:creationId xmlns:p14="http://schemas.microsoft.com/office/powerpoint/2010/main" val="880947160"/>
       </p:ext>
     </p:extLst>
   </p:cSld>
@@ -1805,7 +2055,13 @@
       </p:grpSpPr>
       <p:sp>
         <p:nvSpPr>
-          <p:cNvPr id="2" name="Date Placeholder 1"/>
+          <p:cNvPr id="2" name="Date Placeholder 1">
+            <a:extLst>
+              <a:ext uri="{FF2B5EF4-FFF2-40B4-BE49-F238E27FC236}">
+                <a16:creationId xmlns:a16="http://schemas.microsoft.com/office/drawing/2014/main" id="{9F802F49-7BC3-438D-AD7C-CAD539518712}"/>
+              </a:ext>
+            </a:extLst>
+          </p:cNvPr>
           <p:cNvSpPr>
             <a:spLocks noGrp="1"/>
           </p:cNvSpPr>
@@ -1818,17 +2074,23 @@
           <a:bodyPr/>
           <a:lstStyle/>
           <a:p>
-            <a:fld id="{AD6F15B0-35DA-4F02-94B2-7C70F94BF55D}" type="datetimeFigureOut">
-              <a:rPr lang="en-GB" smtClean="0"/>
-              <a:t>10/01/2018</a:t>
+            <a:fld id="{4DFBDBC9-0EA2-46E3-9C21-87DEC10EA451}" type="datetimeFigureOut">
+              <a:rPr lang="en-US" smtClean="0"/>
+              <a:t>1/10/2018</a:t>
             </a:fld>
-            <a:endParaRPr lang="en-GB"/>
-          </a:p>
-        </p:txBody>
-      </p:sp>
-      <p:sp>
-        <p:nvSpPr>
-          <p:cNvPr id="3" name="Footer Placeholder 2"/>
+            <a:endParaRPr lang="en-US"/>
+          </a:p>
+        </p:txBody>
+      </p:sp>
+      <p:sp>
+        <p:nvSpPr>
+          <p:cNvPr id="3" name="Footer Placeholder 2">
+            <a:extLst>
+              <a:ext uri="{FF2B5EF4-FFF2-40B4-BE49-F238E27FC236}">
+                <a16:creationId xmlns:a16="http://schemas.microsoft.com/office/drawing/2014/main" id="{A35B7EEF-5C73-4E80-9335-5562E2B7C592}"/>
+              </a:ext>
+            </a:extLst>
+          </p:cNvPr>
           <p:cNvSpPr>
             <a:spLocks noGrp="1"/>
           </p:cNvSpPr>
@@ -1841,13 +2103,19 @@
           <a:bodyPr/>
           <a:lstStyle/>
           <a:p>
-            <a:endParaRPr lang="en-GB"/>
-          </a:p>
-        </p:txBody>
-      </p:sp>
-      <p:sp>
-        <p:nvSpPr>
-          <p:cNvPr id="4" name="Slide Number Placeholder 3"/>
+            <a:endParaRPr lang="en-US"/>
+          </a:p>
+        </p:txBody>
+      </p:sp>
+      <p:sp>
+        <p:nvSpPr>
+          <p:cNvPr id="4" name="Slide Number Placeholder 3">
+            <a:extLst>
+              <a:ext uri="{FF2B5EF4-FFF2-40B4-BE49-F238E27FC236}">
+                <a16:creationId xmlns:a16="http://schemas.microsoft.com/office/drawing/2014/main" id="{1FCF36C1-C604-47F8-B47D-07E3505C7ACC}"/>
+              </a:ext>
+            </a:extLst>
+          </p:cNvPr>
           <p:cNvSpPr>
             <a:spLocks noGrp="1"/>
           </p:cNvSpPr>
@@ -1860,18 +2128,18 @@
           <a:bodyPr/>
           <a:lstStyle/>
           <a:p>
-            <a:fld id="{83E4109A-484E-4B98-A7EB-E2CD3A99B84F}" type="slidenum">
-              <a:rPr lang="en-GB" smtClean="0"/>
+            <a:fld id="{EC633612-F3CB-43F1-9557-BC2A2DF73E7C}" type="slidenum">
+              <a:rPr lang="en-US" smtClean="0"/>
               <a:t>‹#›</a:t>
             </a:fld>
-            <a:endParaRPr lang="en-GB"/>
+            <a:endParaRPr lang="en-US"/>
           </a:p>
         </p:txBody>
       </p:sp>
     </p:spTree>
     <p:extLst>
       <p:ext uri="{BB962C8B-B14F-4D97-AF65-F5344CB8AC3E}">
-        <p14:creationId xmlns:p14="http://schemas.microsoft.com/office/powerpoint/2010/main" val="1777816666"/>
+        <p14:creationId xmlns:p14="http://schemas.microsoft.com/office/powerpoint/2010/main" val="1269205822"/>
       </p:ext>
     </p:extLst>
   </p:cSld>
@@ -1900,7 +2168,13 @@
       </p:grpSpPr>
       <p:sp>
         <p:nvSpPr>
-          <p:cNvPr id="2" name="Title 1"/>
+          <p:cNvPr id="2" name="Title 1">
+            <a:extLst>
+              <a:ext uri="{FF2B5EF4-FFF2-40B4-BE49-F238E27FC236}">
+                <a16:creationId xmlns:a16="http://schemas.microsoft.com/office/drawing/2014/main" id="{51D34EDA-AA2F-4D2F-95B4-0CA06B43BE33}"/>
+              </a:ext>
+            </a:extLst>
+          </p:cNvPr>
           <p:cNvSpPr>
             <a:spLocks noGrp="1"/>
           </p:cNvSpPr>
@@ -1923,16 +2197,21 @@
           </a:lstStyle>
           <a:p>
             <a:r>
-              <a:rPr lang="en-US" smtClean="0"/>
+              <a:rPr lang="en-US"/>
               <a:t>Click to edit Master title style</a:t>
             </a:r>
-            <a:endParaRPr lang="en-GB"/>
-          </a:p>
-        </p:txBody>
-      </p:sp>
-      <p:sp>
-        <p:nvSpPr>
-          <p:cNvPr id="3" name="Content Placeholder 2"/>
+          </a:p>
+        </p:txBody>
+      </p:sp>
+      <p:sp>
+        <p:nvSpPr>
+          <p:cNvPr id="3" name="Content Placeholder 2">
+            <a:extLst>
+              <a:ext uri="{FF2B5EF4-FFF2-40B4-BE49-F238E27FC236}">
+                <a16:creationId xmlns:a16="http://schemas.microsoft.com/office/drawing/2014/main" id="{192E610C-340D-45BD-B556-90B62C2D2779}"/>
+              </a:ext>
+            </a:extLst>
+          </p:cNvPr>
           <p:cNvSpPr>
             <a:spLocks noGrp="1"/>
           </p:cNvSpPr>
@@ -1980,44 +2259,49 @@
           <a:p>
             <a:pPr lvl="0"/>
             <a:r>
-              <a:rPr lang="en-US" smtClean="0"/>
+              <a:rPr lang="en-US"/>
               <a:t>Edit Master text styles</a:t>
             </a:r>
           </a:p>
           <a:p>
             <a:pPr lvl="1"/>
             <a:r>
-              <a:rPr lang="en-US" smtClean="0"/>
+              <a:rPr lang="en-US"/>
               <a:t>Second level</a:t>
             </a:r>
           </a:p>
           <a:p>
             <a:pPr lvl="2"/>
             <a:r>
-              <a:rPr lang="en-US" smtClean="0"/>
+              <a:rPr lang="en-US"/>
               <a:t>Third level</a:t>
             </a:r>
           </a:p>
           <a:p>
             <a:pPr lvl="3"/>
             <a:r>
-              <a:rPr lang="en-US" smtClean="0"/>
+              <a:rPr lang="en-US"/>
               <a:t>Fourth level</a:t>
             </a:r>
           </a:p>
           <a:p>
             <a:pPr lvl="4"/>
             <a:r>
-              <a:rPr lang="en-US" smtClean="0"/>
+              <a:rPr lang="en-US"/>
               <a:t>Fifth level</a:t>
             </a:r>
-            <a:endParaRPr lang="en-GB"/>
-          </a:p>
-        </p:txBody>
-      </p:sp>
-      <p:sp>
-        <p:nvSpPr>
-          <p:cNvPr id="4" name="Text Placeholder 3"/>
+          </a:p>
+        </p:txBody>
+      </p:sp>
+      <p:sp>
+        <p:nvSpPr>
+          <p:cNvPr id="4" name="Text Placeholder 3">
+            <a:extLst>
+              <a:ext uri="{FF2B5EF4-FFF2-40B4-BE49-F238E27FC236}">
+                <a16:creationId xmlns:a16="http://schemas.microsoft.com/office/drawing/2014/main" id="{25AF6DA4-87DD-4032-A945-0423DC2D8A57}"/>
+              </a:ext>
+            </a:extLst>
+          </p:cNvPr>
           <p:cNvSpPr>
             <a:spLocks noGrp="1"/>
           </p:cNvSpPr>
@@ -2074,38 +2358,50 @@
           <a:p>
             <a:pPr lvl="0"/>
             <a:r>
+              <a:rPr lang="en-US"/>
+              <a:t>Edit Master text styles</a:t>
+            </a:r>
+          </a:p>
+        </p:txBody>
+      </p:sp>
+      <p:sp>
+        <p:nvSpPr>
+          <p:cNvPr id="5" name="Date Placeholder 4">
+            <a:extLst>
+              <a:ext uri="{FF2B5EF4-FFF2-40B4-BE49-F238E27FC236}">
+                <a16:creationId xmlns:a16="http://schemas.microsoft.com/office/drawing/2014/main" id="{3C447E3E-1AB8-4BD2-8998-F5CAED50B5E9}"/>
+              </a:ext>
+            </a:extLst>
+          </p:cNvPr>
+          <p:cNvSpPr>
+            <a:spLocks noGrp="1"/>
+          </p:cNvSpPr>
+          <p:nvPr>
+            <p:ph type="dt" sz="half" idx="10"/>
+          </p:nvPr>
+        </p:nvSpPr>
+        <p:spPr/>
+        <p:txBody>
+          <a:bodyPr/>
+          <a:lstStyle/>
+          <a:p>
+            <a:fld id="{4DFBDBC9-0EA2-46E3-9C21-87DEC10EA451}" type="datetimeFigureOut">
               <a:rPr lang="en-US" smtClean="0"/>
-              <a:t>Edit Master text styles</a:t>
-            </a:r>
-          </a:p>
-        </p:txBody>
-      </p:sp>
-      <p:sp>
-        <p:nvSpPr>
-          <p:cNvPr id="5" name="Date Placeholder 4"/>
-          <p:cNvSpPr>
-            <a:spLocks noGrp="1"/>
-          </p:cNvSpPr>
-          <p:nvPr>
-            <p:ph type="dt" sz="half" idx="10"/>
-          </p:nvPr>
-        </p:nvSpPr>
-        <p:spPr/>
-        <p:txBody>
-          <a:bodyPr/>
-          <a:lstStyle/>
-          <a:p>
-            <a:fld id="{AD6F15B0-35DA-4F02-94B2-7C70F94BF55D}" type="datetimeFigureOut">
-              <a:rPr lang="en-GB" smtClean="0"/>
-              <a:t>10/01/2018</a:t>
+              <a:t>1/10/2018</a:t>
             </a:fld>
-            <a:endParaRPr lang="en-GB"/>
-          </a:p>
-        </p:txBody>
-      </p:sp>
-      <p:sp>
-        <p:nvSpPr>
-          <p:cNvPr id="6" name="Footer Placeholder 5"/>
+            <a:endParaRPr lang="en-US"/>
+          </a:p>
+        </p:txBody>
+      </p:sp>
+      <p:sp>
+        <p:nvSpPr>
+          <p:cNvPr id="6" name="Footer Placeholder 5">
+            <a:extLst>
+              <a:ext uri="{FF2B5EF4-FFF2-40B4-BE49-F238E27FC236}">
+                <a16:creationId xmlns:a16="http://schemas.microsoft.com/office/drawing/2014/main" id="{F55D70C5-AAC6-45D2-A214-5A48FF420B5D}"/>
+              </a:ext>
+            </a:extLst>
+          </p:cNvPr>
           <p:cNvSpPr>
             <a:spLocks noGrp="1"/>
           </p:cNvSpPr>
@@ -2118,13 +2414,19 @@
           <a:bodyPr/>
           <a:lstStyle/>
           <a:p>
-            <a:endParaRPr lang="en-GB"/>
-          </a:p>
-        </p:txBody>
-      </p:sp>
-      <p:sp>
-        <p:nvSpPr>
-          <p:cNvPr id="7" name="Slide Number Placeholder 6"/>
+            <a:endParaRPr lang="en-US"/>
+          </a:p>
+        </p:txBody>
+      </p:sp>
+      <p:sp>
+        <p:nvSpPr>
+          <p:cNvPr id="7" name="Slide Number Placeholder 6">
+            <a:extLst>
+              <a:ext uri="{FF2B5EF4-FFF2-40B4-BE49-F238E27FC236}">
+                <a16:creationId xmlns:a16="http://schemas.microsoft.com/office/drawing/2014/main" id="{04FB7552-57A2-4504-A485-DF04C722EDA8}"/>
+              </a:ext>
+            </a:extLst>
+          </p:cNvPr>
           <p:cNvSpPr>
             <a:spLocks noGrp="1"/>
           </p:cNvSpPr>
@@ -2137,18 +2439,18 @@
           <a:bodyPr/>
           <a:lstStyle/>
           <a:p>
-            <a:fld id="{83E4109A-484E-4B98-A7EB-E2CD3A99B84F}" type="slidenum">
-              <a:rPr lang="en-GB" smtClean="0"/>
+            <a:fld id="{EC633612-F3CB-43F1-9557-BC2A2DF73E7C}" type="slidenum">
+              <a:rPr lang="en-US" smtClean="0"/>
               <a:t>‹#›</a:t>
             </a:fld>
-            <a:endParaRPr lang="en-GB"/>
+            <a:endParaRPr lang="en-US"/>
           </a:p>
         </p:txBody>
       </p:sp>
     </p:spTree>
     <p:extLst>
       <p:ext uri="{BB962C8B-B14F-4D97-AF65-F5344CB8AC3E}">
-        <p14:creationId xmlns:p14="http://schemas.microsoft.com/office/powerpoint/2010/main" val="4264948169"/>
+        <p14:creationId xmlns:p14="http://schemas.microsoft.com/office/powerpoint/2010/main" val="2869084282"/>
       </p:ext>
     </p:extLst>
   </p:cSld>
@@ -2177,7 +2479,13 @@
       </p:grpSpPr>
       <p:sp>
         <p:nvSpPr>
-          <p:cNvPr id="2" name="Title 1"/>
+          <p:cNvPr id="2" name="Title 1">
+            <a:extLst>
+              <a:ext uri="{FF2B5EF4-FFF2-40B4-BE49-F238E27FC236}">
+                <a16:creationId xmlns:a16="http://schemas.microsoft.com/office/drawing/2014/main" id="{2D620363-84C3-4D2E-93B5-26E99A8C0054}"/>
+              </a:ext>
+            </a:extLst>
+          </p:cNvPr>
           <p:cNvSpPr>
             <a:spLocks noGrp="1"/>
           </p:cNvSpPr>
@@ -2200,16 +2508,21 @@
           </a:lstStyle>
           <a:p>
             <a:r>
-              <a:rPr lang="en-US" smtClean="0"/>
+              <a:rPr lang="en-US"/>
               <a:t>Click to edit Master title style</a:t>
             </a:r>
-            <a:endParaRPr lang="en-GB"/>
-          </a:p>
-        </p:txBody>
-      </p:sp>
-      <p:sp>
-        <p:nvSpPr>
-          <p:cNvPr id="3" name="Picture Placeholder 2"/>
+          </a:p>
+        </p:txBody>
+      </p:sp>
+      <p:sp>
+        <p:nvSpPr>
+          <p:cNvPr id="3" name="Picture Placeholder 2">
+            <a:extLst>
+              <a:ext uri="{FF2B5EF4-FFF2-40B4-BE49-F238E27FC236}">
+                <a16:creationId xmlns:a16="http://schemas.microsoft.com/office/drawing/2014/main" id="{1BEBF7F2-92CA-4A39-A1AF-A20F6871C58B}"/>
+              </a:ext>
+            </a:extLst>
+          </p:cNvPr>
           <p:cNvSpPr>
             <a:spLocks noGrp="1"/>
           </p:cNvSpPr>
@@ -2264,13 +2577,19 @@
             </a:lvl9pPr>
           </a:lstStyle>
           <a:p>
-            <a:endParaRPr lang="en-GB"/>
-          </a:p>
-        </p:txBody>
-      </p:sp>
-      <p:sp>
-        <p:nvSpPr>
-          <p:cNvPr id="4" name="Text Placeholder 3"/>
+            <a:endParaRPr lang="en-US"/>
+          </a:p>
+        </p:txBody>
+      </p:sp>
+      <p:sp>
+        <p:nvSpPr>
+          <p:cNvPr id="4" name="Text Placeholder 3">
+            <a:extLst>
+              <a:ext uri="{FF2B5EF4-FFF2-40B4-BE49-F238E27FC236}">
+                <a16:creationId xmlns:a16="http://schemas.microsoft.com/office/drawing/2014/main" id="{A5567246-780D-4399-9863-0A57BF5BB78D}"/>
+              </a:ext>
+            </a:extLst>
+          </p:cNvPr>
           <p:cNvSpPr>
             <a:spLocks noGrp="1"/>
           </p:cNvSpPr>
@@ -2327,38 +2646,50 @@
           <a:p>
             <a:pPr lvl="0"/>
             <a:r>
+              <a:rPr lang="en-US"/>
+              <a:t>Edit Master text styles</a:t>
+            </a:r>
+          </a:p>
+        </p:txBody>
+      </p:sp>
+      <p:sp>
+        <p:nvSpPr>
+          <p:cNvPr id="5" name="Date Placeholder 4">
+            <a:extLst>
+              <a:ext uri="{FF2B5EF4-FFF2-40B4-BE49-F238E27FC236}">
+                <a16:creationId xmlns:a16="http://schemas.microsoft.com/office/drawing/2014/main" id="{D58D28E4-EBD0-41C9-B72B-8D0193AFEF1F}"/>
+              </a:ext>
+            </a:extLst>
+          </p:cNvPr>
+          <p:cNvSpPr>
+            <a:spLocks noGrp="1"/>
+          </p:cNvSpPr>
+          <p:nvPr>
+            <p:ph type="dt" sz="half" idx="10"/>
+          </p:nvPr>
+        </p:nvSpPr>
+        <p:spPr/>
+        <p:txBody>
+          <a:bodyPr/>
+          <a:lstStyle/>
+          <a:p>
+            <a:fld id="{4DFBDBC9-0EA2-46E3-9C21-87DEC10EA451}" type="datetimeFigureOut">
               <a:rPr lang="en-US" smtClean="0"/>
-              <a:t>Edit Master text styles</a:t>
-            </a:r>
-          </a:p>
-        </p:txBody>
-      </p:sp>
-      <p:sp>
-        <p:nvSpPr>
-          <p:cNvPr id="5" name="Date Placeholder 4"/>
-          <p:cNvSpPr>
-            <a:spLocks noGrp="1"/>
-          </p:cNvSpPr>
-          <p:nvPr>
-            <p:ph type="dt" sz="half" idx="10"/>
-          </p:nvPr>
-        </p:nvSpPr>
-        <p:spPr/>
-        <p:txBody>
-          <a:bodyPr/>
-          <a:lstStyle/>
-          <a:p>
-            <a:fld id="{AD6F15B0-35DA-4F02-94B2-7C70F94BF55D}" type="datetimeFigureOut">
-              <a:rPr lang="en-GB" smtClean="0"/>
-              <a:t>10/01/2018</a:t>
+              <a:t>1/10/2018</a:t>
             </a:fld>
-            <a:endParaRPr lang="en-GB"/>
-          </a:p>
-        </p:txBody>
-      </p:sp>
-      <p:sp>
-        <p:nvSpPr>
-          <p:cNvPr id="6" name="Footer Placeholder 5"/>
+            <a:endParaRPr lang="en-US"/>
+          </a:p>
+        </p:txBody>
+      </p:sp>
+      <p:sp>
+        <p:nvSpPr>
+          <p:cNvPr id="6" name="Footer Placeholder 5">
+            <a:extLst>
+              <a:ext uri="{FF2B5EF4-FFF2-40B4-BE49-F238E27FC236}">
+                <a16:creationId xmlns:a16="http://schemas.microsoft.com/office/drawing/2014/main" id="{45C72B1E-310C-4007-817F-4EC5D9549F6F}"/>
+              </a:ext>
+            </a:extLst>
+          </p:cNvPr>
           <p:cNvSpPr>
             <a:spLocks noGrp="1"/>
           </p:cNvSpPr>
@@ -2371,13 +2702,19 @@
           <a:bodyPr/>
           <a:lstStyle/>
           <a:p>
-            <a:endParaRPr lang="en-GB"/>
-          </a:p>
-        </p:txBody>
-      </p:sp>
-      <p:sp>
-        <p:nvSpPr>
-          <p:cNvPr id="7" name="Slide Number Placeholder 6"/>
+            <a:endParaRPr lang="en-US"/>
+          </a:p>
+        </p:txBody>
+      </p:sp>
+      <p:sp>
+        <p:nvSpPr>
+          <p:cNvPr id="7" name="Slide Number Placeholder 6">
+            <a:extLst>
+              <a:ext uri="{FF2B5EF4-FFF2-40B4-BE49-F238E27FC236}">
+                <a16:creationId xmlns:a16="http://schemas.microsoft.com/office/drawing/2014/main" id="{3BF0361D-67E0-412E-9F5F-0786FF0A4BF7}"/>
+              </a:ext>
+            </a:extLst>
+          </p:cNvPr>
           <p:cNvSpPr>
             <a:spLocks noGrp="1"/>
           </p:cNvSpPr>
@@ -2390,18 +2727,18 @@
           <a:bodyPr/>
           <a:lstStyle/>
           <a:p>
-            <a:fld id="{83E4109A-484E-4B98-A7EB-E2CD3A99B84F}" type="slidenum">
-              <a:rPr lang="en-GB" smtClean="0"/>
+            <a:fld id="{EC633612-F3CB-43F1-9557-BC2A2DF73E7C}" type="slidenum">
+              <a:rPr lang="en-US" smtClean="0"/>
               <a:t>‹#›</a:t>
             </a:fld>
-            <a:endParaRPr lang="en-GB"/>
+            <a:endParaRPr lang="en-US"/>
           </a:p>
         </p:txBody>
       </p:sp>
     </p:spTree>
     <p:extLst>
       <p:ext uri="{BB962C8B-B14F-4D97-AF65-F5344CB8AC3E}">
-        <p14:creationId xmlns:p14="http://schemas.microsoft.com/office/powerpoint/2010/main" val="1910985338"/>
+        <p14:creationId xmlns:p14="http://schemas.microsoft.com/office/powerpoint/2010/main" val="4222837738"/>
       </p:ext>
     </p:extLst>
   </p:cSld>
@@ -2435,7 +2772,13 @@
       </p:grpSpPr>
       <p:sp>
         <p:nvSpPr>
-          <p:cNvPr id="2" name="Title Placeholder 1"/>
+          <p:cNvPr id="2" name="Title Placeholder 1">
+            <a:extLst>
+              <a:ext uri="{FF2B5EF4-FFF2-40B4-BE49-F238E27FC236}">
+                <a16:creationId xmlns:a16="http://schemas.microsoft.com/office/drawing/2014/main" id="{5A537B33-2D1D-489A-A74F-2AABCDA130EA}"/>
+              </a:ext>
+            </a:extLst>
+          </p:cNvPr>
           <p:cNvSpPr>
             <a:spLocks noGrp="1"/>
           </p:cNvSpPr>
@@ -2459,16 +2802,21 @@
           <a:lstStyle/>
           <a:p>
             <a:r>
-              <a:rPr lang="en-US" smtClean="0"/>
+              <a:rPr lang="en-US"/>
               <a:t>Click to edit Master title style</a:t>
             </a:r>
-            <a:endParaRPr lang="en-GB"/>
-          </a:p>
-        </p:txBody>
-      </p:sp>
-      <p:sp>
-        <p:nvSpPr>
-          <p:cNvPr id="3" name="Text Placeholder 2"/>
+          </a:p>
+        </p:txBody>
+      </p:sp>
+      <p:sp>
+        <p:nvSpPr>
+          <p:cNvPr id="3" name="Text Placeholder 2">
+            <a:extLst>
+              <a:ext uri="{FF2B5EF4-FFF2-40B4-BE49-F238E27FC236}">
+                <a16:creationId xmlns:a16="http://schemas.microsoft.com/office/drawing/2014/main" id="{3BBA4DD3-7B1D-4537-8263-D70FC3F8AC6B}"/>
+              </a:ext>
+            </a:extLst>
+          </p:cNvPr>
           <p:cNvSpPr>
             <a:spLocks noGrp="1"/>
           </p:cNvSpPr>
@@ -2493,44 +2841,49 @@
           <a:p>
             <a:pPr lvl="0"/>
             <a:r>
-              <a:rPr lang="en-US" smtClean="0"/>
+              <a:rPr lang="en-US"/>
               <a:t>Edit Master text styles</a:t>
             </a:r>
           </a:p>
           <a:p>
             <a:pPr lvl="1"/>
             <a:r>
-              <a:rPr lang="en-US" smtClean="0"/>
+              <a:rPr lang="en-US"/>
               <a:t>Second level</a:t>
             </a:r>
           </a:p>
           <a:p>
             <a:pPr lvl="2"/>
             <a:r>
-              <a:rPr lang="en-US" smtClean="0"/>
+              <a:rPr lang="en-US"/>
               <a:t>Third level</a:t>
             </a:r>
           </a:p>
           <a:p>
             <a:pPr lvl="3"/>
             <a:r>
-              <a:rPr lang="en-US" smtClean="0"/>
+              <a:rPr lang="en-US"/>
               <a:t>Fourth level</a:t>
             </a:r>
           </a:p>
           <a:p>
             <a:pPr lvl="4"/>
             <a:r>
-              <a:rPr lang="en-US" smtClean="0"/>
+              <a:rPr lang="en-US"/>
               <a:t>Fifth level</a:t>
             </a:r>
-            <a:endParaRPr lang="en-GB"/>
-          </a:p>
-        </p:txBody>
-      </p:sp>
-      <p:sp>
-        <p:nvSpPr>
-          <p:cNvPr id="4" name="Date Placeholder 3"/>
+          </a:p>
+        </p:txBody>
+      </p:sp>
+      <p:sp>
+        <p:nvSpPr>
+          <p:cNvPr id="4" name="Date Placeholder 3">
+            <a:extLst>
+              <a:ext uri="{FF2B5EF4-FFF2-40B4-BE49-F238E27FC236}">
+                <a16:creationId xmlns:a16="http://schemas.microsoft.com/office/drawing/2014/main" id="{9B8D20A5-1219-4A2E-9068-12BA3D303726}"/>
+              </a:ext>
+            </a:extLst>
+          </p:cNvPr>
           <p:cNvSpPr>
             <a:spLocks noGrp="1"/>
           </p:cNvSpPr>
@@ -2561,17 +2914,23 @@
             </a:lvl1pPr>
           </a:lstStyle>
           <a:p>
-            <a:fld id="{AD6F15B0-35DA-4F02-94B2-7C70F94BF55D}" type="datetimeFigureOut">
-              <a:rPr lang="en-GB" smtClean="0"/>
-              <a:t>10/01/2018</a:t>
+            <a:fld id="{4DFBDBC9-0EA2-46E3-9C21-87DEC10EA451}" type="datetimeFigureOut">
+              <a:rPr lang="en-US" smtClean="0"/>
+              <a:t>1/10/2018</a:t>
             </a:fld>
-            <a:endParaRPr lang="en-GB"/>
-          </a:p>
-        </p:txBody>
-      </p:sp>
-      <p:sp>
-        <p:nvSpPr>
-          <p:cNvPr id="5" name="Footer Placeholder 4"/>
+            <a:endParaRPr lang="en-US"/>
+          </a:p>
+        </p:txBody>
+      </p:sp>
+      <p:sp>
+        <p:nvSpPr>
+          <p:cNvPr id="5" name="Footer Placeholder 4">
+            <a:extLst>
+              <a:ext uri="{FF2B5EF4-FFF2-40B4-BE49-F238E27FC236}">
+                <a16:creationId xmlns:a16="http://schemas.microsoft.com/office/drawing/2014/main" id="{05EF949F-07B4-4CF3-B8DC-3D1D82818F01}"/>
+              </a:ext>
+            </a:extLst>
+          </p:cNvPr>
           <p:cNvSpPr>
             <a:spLocks noGrp="1"/>
           </p:cNvSpPr>
@@ -2602,13 +2961,19 @@
             </a:lvl1pPr>
           </a:lstStyle>
           <a:p>
-            <a:endParaRPr lang="en-GB"/>
-          </a:p>
-        </p:txBody>
-      </p:sp>
-      <p:sp>
-        <p:nvSpPr>
-          <p:cNvPr id="6" name="Slide Number Placeholder 5"/>
+            <a:endParaRPr lang="en-US"/>
+          </a:p>
+        </p:txBody>
+      </p:sp>
+      <p:sp>
+        <p:nvSpPr>
+          <p:cNvPr id="6" name="Slide Number Placeholder 5">
+            <a:extLst>
+              <a:ext uri="{FF2B5EF4-FFF2-40B4-BE49-F238E27FC236}">
+                <a16:creationId xmlns:a16="http://schemas.microsoft.com/office/drawing/2014/main" id="{FCBEE2EF-19DF-482A-8B2C-B97D64A47793}"/>
+              </a:ext>
+            </a:extLst>
+          </p:cNvPr>
           <p:cNvSpPr>
             <a:spLocks noGrp="1"/>
           </p:cNvSpPr>
@@ -2639,18 +3004,18 @@
             </a:lvl1pPr>
           </a:lstStyle>
           <a:p>
-            <a:fld id="{83E4109A-484E-4B98-A7EB-E2CD3A99B84F}" type="slidenum">
-              <a:rPr lang="en-GB" smtClean="0"/>
+            <a:fld id="{EC633612-F3CB-43F1-9557-BC2A2DF73E7C}" type="slidenum">
+              <a:rPr lang="en-US" smtClean="0"/>
               <a:t>‹#›</a:t>
             </a:fld>
-            <a:endParaRPr lang="en-GB"/>
+            <a:endParaRPr lang="en-US"/>
           </a:p>
         </p:txBody>
       </p:sp>
     </p:spTree>
     <p:extLst>
       <p:ext uri="{BB962C8B-B14F-4D97-AF65-F5344CB8AC3E}">
-        <p14:creationId xmlns:p14="http://schemas.microsoft.com/office/powerpoint/2010/main" val="3360036589"/>
+        <p14:creationId xmlns:p14="http://schemas.microsoft.com/office/powerpoint/2010/main" val="2919260485"/>
       </p:ext>
     </p:extLst>
   </p:cSld>
@@ -2968,39 +3333,15 @@
           <a:chExt cx="0" cy="0"/>
         </a:xfrm>
       </p:grpSpPr>
-      <p:pic>
-        <p:nvPicPr>
-          <p:cNvPr id="5" name="Picture 4"/>
-          <p:cNvPicPr>
-            <a:picLocks noChangeAspect="1"/>
-          </p:cNvPicPr>
-          <p:nvPr/>
-        </p:nvPicPr>
-        <p:blipFill>
-          <a:blip r:embed="rId2">
-            <a:extLst>
-              <a:ext uri="{28A0092B-C50C-407E-A947-70E740481C1C}">
-                <a14:useLocalDpi xmlns:a14="http://schemas.microsoft.com/office/drawing/2010/main" val="0"/>
-              </a:ext>
-            </a:extLst>
-          </a:blip>
-          <a:stretch>
-            <a:fillRect/>
-          </a:stretch>
-        </p:blipFill>
-        <p:spPr>
-          <a:xfrm>
-            <a:off x="-1" y="-1"/>
-            <a:ext cx="12192001" cy="6842081"/>
-          </a:xfrm>
-          <a:prstGeom prst="rect">
-            <a:avLst/>
-          </a:prstGeom>
-        </p:spPr>
-      </p:pic>
-      <p:sp>
-        <p:nvSpPr>
-          <p:cNvPr id="2" name="Title 1"/>
+      <p:sp>
+        <p:nvSpPr>
+          <p:cNvPr id="2" name="Title 1">
+            <a:extLst>
+              <a:ext uri="{FF2B5EF4-FFF2-40B4-BE49-F238E27FC236}">
+                <a16:creationId xmlns:a16="http://schemas.microsoft.com/office/drawing/2014/main" id="{7077495B-C795-48D6-96F6-233A1D77EC2A}"/>
+              </a:ext>
+            </a:extLst>
+          </p:cNvPr>
           <p:cNvSpPr>
             <a:spLocks noGrp="1"/>
           </p:cNvSpPr>
@@ -3008,55 +3349,50 @@
             <p:ph type="ctrTitle"/>
           </p:nvPr>
         </p:nvSpPr>
-        <p:spPr>
-          <a:xfrm>
-            <a:off x="1160415" y="-91441"/>
-            <a:ext cx="10393681" cy="1451020"/>
-          </a:xfrm>
-        </p:spPr>
+        <p:spPr/>
         <p:txBody>
           <a:bodyPr>
-            <a:normAutofit/>
+            <a:normAutofit fontScale="90000"/>
           </a:bodyPr>
           <a:lstStyle/>
           <a:p>
             <a:r>
-              <a:rPr lang="en-GB" b="1" dirty="0" smtClean="0">
-                <a:solidFill>
-                  <a:schemeClr val="tx1">
-                    <a:lumMod val="95000"/>
-                    <a:lumOff val="5000"/>
-                  </a:schemeClr>
-                </a:solidFill>
-              </a:rPr>
-              <a:t> </a:t>
-            </a:r>
-            <a:r>
-              <a:rPr lang="bg-BG" b="1" dirty="0" smtClean="0">
-                <a:solidFill>
-                  <a:schemeClr val="tx1">
-                    <a:lumMod val="95000"/>
-                    <a:lumOff val="5000"/>
-                  </a:schemeClr>
-                </a:solidFill>
-              </a:rPr>
-              <a:t>Замъците в Средновековието</a:t>
-            </a:r>
-            <a:endParaRPr lang="en-GB" b="1" dirty="0">
-              <a:solidFill>
-                <a:schemeClr val="tx1">
-                  <a:lumMod val="95000"/>
-                  <a:lumOff val="5000"/>
-                </a:schemeClr>
-              </a:solidFill>
-            </a:endParaRPr>
+              <a:rPr lang="ru-RU" dirty="0"/>
+              <a:t>Животът в замъците - първи замъци, строителство, защита на замъка</a:t>
+            </a:r>
+            <a:endParaRPr lang="en-US" dirty="0"/>
+          </a:p>
+        </p:txBody>
+      </p:sp>
+      <p:sp>
+        <p:nvSpPr>
+          <p:cNvPr id="3" name="Subtitle 2">
+            <a:extLst>
+              <a:ext uri="{FF2B5EF4-FFF2-40B4-BE49-F238E27FC236}">
+                <a16:creationId xmlns:a16="http://schemas.microsoft.com/office/drawing/2014/main" id="{BCFC9204-BCD8-48DC-988F-66681311C7C7}"/>
+              </a:ext>
+            </a:extLst>
+          </p:cNvPr>
+          <p:cNvSpPr>
+            <a:spLocks noGrp="1"/>
+          </p:cNvSpPr>
+          <p:nvPr>
+            <p:ph type="subTitle" idx="1"/>
+          </p:nvPr>
+        </p:nvSpPr>
+        <p:spPr/>
+        <p:txBody>
+          <a:bodyPr/>
+          <a:lstStyle/>
+          <a:p>
+            <a:endParaRPr lang="en-US"/>
           </a:p>
         </p:txBody>
       </p:sp>
     </p:spTree>
     <p:extLst>
       <p:ext uri="{BB962C8B-B14F-4D97-AF65-F5344CB8AC3E}">
-        <p14:creationId xmlns:p14="http://schemas.microsoft.com/office/powerpoint/2010/main" val="2332004063"/>
+        <p14:creationId xmlns:p14="http://schemas.microsoft.com/office/powerpoint/2010/main" val="1872636875"/>
       </p:ext>
     </p:extLst>
   </p:cSld>
@@ -3085,7 +3421,13 @@
       </p:grpSpPr>
       <p:sp>
         <p:nvSpPr>
-          <p:cNvPr id="2" name="Title 1"/>
+          <p:cNvPr id="2" name="Title 1">
+            <a:extLst>
+              <a:ext uri="{FF2B5EF4-FFF2-40B4-BE49-F238E27FC236}">
+                <a16:creationId xmlns:a16="http://schemas.microsoft.com/office/drawing/2014/main" id="{D6B50742-276F-4CAA-B697-114137F597E7}"/>
+              </a:ext>
+            </a:extLst>
+          </p:cNvPr>
           <p:cNvSpPr>
             <a:spLocks noGrp="1"/>
           </p:cNvSpPr>
@@ -3098,37 +3440,92 @@
           <a:bodyPr/>
           <a:lstStyle/>
           <a:p>
-            <a:r>
-              <a:rPr lang="bg-BG" dirty="0" smtClean="0"/>
+            <a:pPr algn="ctr"/>
+            <a:r>
+              <a:rPr lang="bg-BG" dirty="0"/>
+              <a:t>Съдържание</a:t>
+            </a:r>
+            <a:endParaRPr lang="en-US" dirty="0"/>
+          </a:p>
+        </p:txBody>
+      </p:sp>
+      <p:sp>
+        <p:nvSpPr>
+          <p:cNvPr id="3" name="Content Placeholder 2">
+            <a:extLst>
+              <a:ext uri="{FF2B5EF4-FFF2-40B4-BE49-F238E27FC236}">
+                <a16:creationId xmlns:a16="http://schemas.microsoft.com/office/drawing/2014/main" id="{001ED0D9-2DB9-4BFE-A469-E789A35EA976}"/>
+              </a:ext>
+            </a:extLst>
+          </p:cNvPr>
+          <p:cNvSpPr>
+            <a:spLocks noGrp="1"/>
+          </p:cNvSpPr>
+          <p:nvPr>
+            <p:ph idx="1"/>
+          </p:nvPr>
+        </p:nvSpPr>
+        <p:spPr/>
+        <p:txBody>
+          <a:bodyPr/>
+          <a:lstStyle/>
+          <a:p>
+            <a:pPr marL="914400" lvl="1" indent="-457200">
+              <a:buAutoNum type="arabicPeriod"/>
+            </a:pPr>
+            <a:r>
+              <a:rPr lang="bg-BG" sz="2800" dirty="0"/>
+              <a:t>Що е то замък?</a:t>
+            </a:r>
+          </a:p>
+          <a:p>
+            <a:pPr marL="914400" lvl="1" indent="-457200">
+              <a:buAutoNum type="arabicPeriod"/>
+            </a:pPr>
+            <a:r>
+              <a:rPr lang="bg-BG" sz="2800" dirty="0"/>
               <a:t>Първите замъци</a:t>
             </a:r>
-            <a:endParaRPr lang="en-GB" dirty="0"/>
-          </a:p>
-        </p:txBody>
-      </p:sp>
-      <p:sp>
-        <p:nvSpPr>
-          <p:cNvPr id="3" name="Content Placeholder 2"/>
-          <p:cNvSpPr>
-            <a:spLocks noGrp="1"/>
-          </p:cNvSpPr>
-          <p:nvPr>
-            <p:ph idx="1"/>
-          </p:nvPr>
-        </p:nvSpPr>
-        <p:spPr/>
-        <p:txBody>
-          <a:bodyPr/>
-          <a:lstStyle/>
-          <a:p>
-            <a:endParaRPr lang="en-GB"/>
+          </a:p>
+          <a:p>
+            <a:pPr marL="914400" lvl="1" indent="-457200">
+              <a:buAutoNum type="arabicPeriod"/>
+            </a:pPr>
+            <a:r>
+              <a:rPr lang="bg-BG" sz="2800" dirty="0"/>
+              <a:t>Строителство</a:t>
+            </a:r>
+          </a:p>
+          <a:p>
+            <a:pPr marL="914400" lvl="1" indent="-457200">
+              <a:buAutoNum type="arabicPeriod"/>
+            </a:pPr>
+            <a:r>
+              <a:rPr lang="bg-BG" sz="2800" dirty="0"/>
+              <a:t>Защита на замъка</a:t>
+            </a:r>
+          </a:p>
+          <a:p>
+            <a:pPr marL="1371600" lvl="2" indent="-457200">
+              <a:buAutoNum type="arabicPeriod"/>
+            </a:pPr>
+            <a:endParaRPr lang="bg-BG" sz="2800" dirty="0"/>
+          </a:p>
+          <a:p>
+            <a:pPr marL="0" indent="0">
+              <a:buNone/>
+            </a:pPr>
+            <a:endParaRPr lang="bg-BG" dirty="0"/>
+          </a:p>
+          <a:p>
+            <a:endParaRPr lang="en-US" dirty="0"/>
           </a:p>
         </p:txBody>
       </p:sp>
     </p:spTree>
     <p:extLst>
       <p:ext uri="{BB962C8B-B14F-4D97-AF65-F5344CB8AC3E}">
-        <p14:creationId xmlns:p14="http://schemas.microsoft.com/office/powerpoint/2010/main" val="4103028797"/>
+        <p14:creationId xmlns:p14="http://schemas.microsoft.com/office/powerpoint/2010/main" val="1322073723"/>
       </p:ext>
     </p:extLst>
   </p:cSld>
@@ -3157,7 +3554,13 @@
       </p:grpSpPr>
       <p:sp>
         <p:nvSpPr>
-          <p:cNvPr id="2" name="Title 1"/>
+          <p:cNvPr id="2" name="Title 1">
+            <a:extLst>
+              <a:ext uri="{FF2B5EF4-FFF2-40B4-BE49-F238E27FC236}">
+                <a16:creationId xmlns:a16="http://schemas.microsoft.com/office/drawing/2014/main" id="{5C1882DF-A3A5-49A1-A777-E45E587D0A17}"/>
+              </a:ext>
+            </a:extLst>
+          </p:cNvPr>
           <p:cNvSpPr>
             <a:spLocks noGrp="1"/>
           </p:cNvSpPr>
@@ -3170,17 +3573,24 @@
           <a:bodyPr/>
           <a:lstStyle/>
           <a:p>
-            <a:r>
-              <a:rPr lang="bg-BG" dirty="0" smtClean="0"/>
-              <a:t>Строителство</a:t>
-            </a:r>
-            <a:endParaRPr lang="en-GB" dirty="0"/>
-          </a:p>
-        </p:txBody>
-      </p:sp>
-      <p:sp>
-        <p:nvSpPr>
-          <p:cNvPr id="3" name="Content Placeholder 2"/>
+            <a:pPr algn="ctr"/>
+            <a:r>
+              <a:rPr lang="ru-RU" dirty="0"/>
+              <a:t>Що е то замък?</a:t>
+            </a:r>
+            <a:endParaRPr lang="en-US" dirty="0"/>
+          </a:p>
+        </p:txBody>
+      </p:sp>
+      <p:sp>
+        <p:nvSpPr>
+          <p:cNvPr id="3" name="Content Placeholder 2">
+            <a:extLst>
+              <a:ext uri="{FF2B5EF4-FFF2-40B4-BE49-F238E27FC236}">
+                <a16:creationId xmlns:a16="http://schemas.microsoft.com/office/drawing/2014/main" id="{A7C3F560-56CF-46DB-B78E-C03C41D5450A}"/>
+              </a:ext>
+            </a:extLst>
+          </p:cNvPr>
           <p:cNvSpPr>
             <a:spLocks noGrp="1"/>
           </p:cNvSpPr>
@@ -3193,14 +3603,26 @@
           <a:bodyPr/>
           <a:lstStyle/>
           <a:p>
-            <a:endParaRPr lang="en-GB" dirty="0"/>
+            <a:r>
+              <a:rPr lang="ru-RU" dirty="0"/>
+              <a:t>Замъкът е вид сграда или система от сгради с укрепителни и отбранителни функции от Средновековието в Европа. Така се наричат частните укрепени резиденции на феодали или благородници.</a:t>
+            </a:r>
+          </a:p>
+          <a:p>
+            <a:r>
+              <a:rPr lang="ru-RU" dirty="0"/>
+              <a:t>Появяват през IX и X век след разпадането на Франкската империя, в резултат на което територията ѝ е поделена между отделни принцове и благородници</a:t>
+            </a:r>
+          </a:p>
+          <a:p>
+            <a:endParaRPr lang="en-US" dirty="0"/>
           </a:p>
         </p:txBody>
       </p:sp>
     </p:spTree>
     <p:extLst>
       <p:ext uri="{BB962C8B-B14F-4D97-AF65-F5344CB8AC3E}">
-        <p14:creationId xmlns:p14="http://schemas.microsoft.com/office/powerpoint/2010/main" val="111751632"/>
+        <p14:creationId xmlns:p14="http://schemas.microsoft.com/office/powerpoint/2010/main" val="3672678377"/>
       </p:ext>
     </p:extLst>
   </p:cSld>
@@ -3229,7 +3651,13 @@
       </p:grpSpPr>
       <p:sp>
         <p:nvSpPr>
-          <p:cNvPr id="2" name="Title 1"/>
+          <p:cNvPr id="2" name="Title 1">
+            <a:extLst>
+              <a:ext uri="{FF2B5EF4-FFF2-40B4-BE49-F238E27FC236}">
+                <a16:creationId xmlns:a16="http://schemas.microsoft.com/office/drawing/2014/main" id="{E3BA3951-3A84-418D-A4F3-7E82BCE945DC}"/>
+              </a:ext>
+            </a:extLst>
+          </p:cNvPr>
           <p:cNvSpPr>
             <a:spLocks noGrp="1"/>
           </p:cNvSpPr>
@@ -3242,17 +3670,27 @@
           <a:bodyPr/>
           <a:lstStyle/>
           <a:p>
-            <a:r>
-              <a:rPr lang="bg-BG" dirty="0" smtClean="0"/>
-              <a:t>Защита на замъка</a:t>
-            </a:r>
-            <a:endParaRPr lang="en-GB" dirty="0"/>
-          </a:p>
-        </p:txBody>
-      </p:sp>
-      <p:sp>
-        <p:nvSpPr>
-          <p:cNvPr id="3" name="Content Placeholder 2"/>
+            <a:pPr algn="ctr"/>
+            <a:r>
+              <a:rPr lang="ru-RU" dirty="0"/>
+              <a:t>Първите замъци</a:t>
+            </a:r>
+            <a:br>
+              <a:rPr lang="ru-RU" dirty="0"/>
+            </a:br>
+            <a:endParaRPr lang="en-US" dirty="0"/>
+          </a:p>
+        </p:txBody>
+      </p:sp>
+      <p:sp>
+        <p:nvSpPr>
+          <p:cNvPr id="3" name="Content Placeholder 2">
+            <a:extLst>
+              <a:ext uri="{FF2B5EF4-FFF2-40B4-BE49-F238E27FC236}">
+                <a16:creationId xmlns:a16="http://schemas.microsoft.com/office/drawing/2014/main" id="{4C840E4C-433E-4794-8A61-D6E14A6B6742}"/>
+              </a:ext>
+            </a:extLst>
+          </p:cNvPr>
           <p:cNvSpPr>
             <a:spLocks noGrp="1"/>
           </p:cNvSpPr>
@@ -3265,86 +3703,32 @@
           <a:bodyPr/>
           <a:lstStyle/>
           <a:p>
-            <a:endParaRPr lang="en-GB"/>
+            <a:r>
+              <a:rPr lang="ru-RU" dirty="0"/>
+              <a:t>Първоначално се строят от дърво и пръст, като по-късно за усилване на защитата се използва камък.</a:t>
+            </a:r>
+          </a:p>
+          <a:p>
+            <a:r>
+              <a:rPr lang="ru-RU" dirty="0"/>
+              <a:t>Ранните замъци често търсят природни защити, затова не включват кули и бойници, разчитайки на централната защитна част.</a:t>
+            </a:r>
+          </a:p>
+          <a:p>
+            <a:r>
+              <a:rPr lang="ru-RU" dirty="0"/>
+              <a:t>В края на XII и началото на XIII в. се появява научен метод за строеж на замъци.</a:t>
+            </a:r>
+          </a:p>
+          <a:p>
+            <a:endParaRPr lang="en-US" dirty="0"/>
           </a:p>
         </p:txBody>
       </p:sp>
     </p:spTree>
     <p:extLst>
       <p:ext uri="{BB962C8B-B14F-4D97-AF65-F5344CB8AC3E}">
-        <p14:creationId xmlns:p14="http://schemas.microsoft.com/office/powerpoint/2010/main" val="3744794607"/>
-      </p:ext>
-    </p:extLst>
-  </p:cSld>
-  <p:clrMapOvr>
-    <a:masterClrMapping/>
-  </p:clrMapOvr>
-</p:sld>
-</file>
-
-<file path=ppt/slides/slide5.xml><?xml version="1.0" encoding="utf-8"?>
-<p:sld xmlns:a="http://schemas.openxmlformats.org/drawingml/2006/main" xmlns:r="http://schemas.openxmlformats.org/officeDocument/2006/relationships" xmlns:p="http://schemas.openxmlformats.org/presentationml/2006/main">
-  <p:cSld>
-    <p:spTree>
-      <p:nvGrpSpPr>
-        <p:cNvPr id="1" name=""/>
-        <p:cNvGrpSpPr/>
-        <p:nvPr/>
-      </p:nvGrpSpPr>
-      <p:grpSpPr>
-        <a:xfrm>
-          <a:off x="0" y="0"/>
-          <a:ext cx="0" cy="0"/>
-          <a:chOff x="0" y="0"/>
-          <a:chExt cx="0" cy="0"/>
-        </a:xfrm>
-      </p:grpSpPr>
-      <p:sp>
-        <p:nvSpPr>
-          <p:cNvPr id="2" name="Title 1"/>
-          <p:cNvSpPr>
-            <a:spLocks noGrp="1"/>
-          </p:cNvSpPr>
-          <p:nvPr>
-            <p:ph type="title"/>
-          </p:nvPr>
-        </p:nvSpPr>
-        <p:spPr/>
-        <p:txBody>
-          <a:bodyPr/>
-          <a:lstStyle/>
-          <a:p>
-            <a:r>
-              <a:rPr lang="bg-BG" smtClean="0"/>
-              <a:t>Животът в замъците</a:t>
-            </a:r>
-            <a:endParaRPr lang="en-GB"/>
-          </a:p>
-        </p:txBody>
-      </p:sp>
-      <p:sp>
-        <p:nvSpPr>
-          <p:cNvPr id="3" name="Content Placeholder 2"/>
-          <p:cNvSpPr>
-            <a:spLocks noGrp="1"/>
-          </p:cNvSpPr>
-          <p:nvPr>
-            <p:ph idx="1"/>
-          </p:nvPr>
-        </p:nvSpPr>
-        <p:spPr/>
-        <p:txBody>
-          <a:bodyPr/>
-          <a:lstStyle/>
-          <a:p>
-            <a:endParaRPr lang="en-GB"/>
-          </a:p>
-        </p:txBody>
-      </p:sp>
-    </p:spTree>
-    <p:extLst>
-      <p:ext uri="{BB962C8B-B14F-4D97-AF65-F5344CB8AC3E}">
-        <p14:creationId xmlns:p14="http://schemas.microsoft.com/office/powerpoint/2010/main" val="1628788811"/>
+        <p14:creationId xmlns:p14="http://schemas.microsoft.com/office/powerpoint/2010/main" val="1922639514"/>
       </p:ext>
     </p:extLst>
   </p:cSld>
@@ -3371,7 +3755,7 @@
         <a:srgbClr val="E7E6E6"/>
       </a:lt2>
       <a:accent1>
-        <a:srgbClr val="5B9BD5"/>
+        <a:srgbClr val="4472C4"/>
       </a:accent1>
       <a:accent2>
         <a:srgbClr val="ED7D31"/>
@@ -3383,7 +3767,7 @@
         <a:srgbClr val="FFC000"/>
       </a:accent4>
       <a:accent5>
-        <a:srgbClr val="4472C4"/>
+        <a:srgbClr val="5B9BD5"/>
       </a:accent5>
       <a:accent6>
         <a:srgbClr val="70AD47"/>
@@ -3430,6 +3814,23 @@
         <a:font script="Viet" typeface="Times New Roman"/>
         <a:font script="Uigh" typeface="Microsoft Uighur"/>
         <a:font script="Geor" typeface="Sylfaen"/>
+        <a:font script="Armn" typeface="Arial"/>
+        <a:font script="Bugi" typeface="Leelawadee UI"/>
+        <a:font script="Bopo" typeface="Microsoft JhengHei"/>
+        <a:font script="Java" typeface="Javanese Text"/>
+        <a:font script="Lisu" typeface="Segoe UI"/>
+        <a:font script="Mymr" typeface="Myanmar Text"/>
+        <a:font script="Nkoo" typeface="Ebrima"/>
+        <a:font script="Olck" typeface="Nirmala UI"/>
+        <a:font script="Osma" typeface="Ebrima"/>
+        <a:font script="Phag" typeface="Phagspa"/>
+        <a:font script="Syrn" typeface="Estrangelo Edessa"/>
+        <a:font script="Syrj" typeface="Estrangelo Edessa"/>
+        <a:font script="Syre" typeface="Estrangelo Edessa"/>
+        <a:font script="Sora" typeface="Nirmala UI"/>
+        <a:font script="Tale" typeface="Microsoft Tai Le"/>
+        <a:font script="Talu" typeface="Microsoft New Tai Lue"/>
+        <a:font script="Tfng" typeface="Ebrima"/>
       </a:majorFont>
       <a:minorFont>
         <a:latin typeface="Calibri" panose="020F0502020204030204"/>
@@ -3465,6 +3866,23 @@
         <a:font script="Viet" typeface="Arial"/>
         <a:font script="Uigh" typeface="Microsoft Uighur"/>
         <a:font script="Geor" typeface="Sylfaen"/>
+        <a:font script="Armn" typeface="Arial"/>
+        <a:font script="Bugi" typeface="Leelawadee UI"/>
+        <a:font script="Bopo" typeface="Microsoft JhengHei"/>
+        <a:font script="Java" typeface="Javanese Text"/>
+        <a:font script="Lisu" typeface="Segoe UI"/>
+        <a:font script="Mymr" typeface="Myanmar Text"/>
+        <a:font script="Nkoo" typeface="Ebrima"/>
+        <a:font script="Olck" typeface="Nirmala UI"/>
+        <a:font script="Osma" typeface="Ebrima"/>
+        <a:font script="Phag" typeface="Phagspa"/>
+        <a:font script="Syrn" typeface="Estrangelo Edessa"/>
+        <a:font script="Syrj" typeface="Estrangelo Edessa"/>
+        <a:font script="Syre" typeface="Estrangelo Edessa"/>
+        <a:font script="Sora" typeface="Nirmala UI"/>
+        <a:font script="Tale" typeface="Microsoft Tai Le"/>
+        <a:font script="Talu" typeface="Microsoft New Tai Lue"/>
+        <a:font script="Tfng" typeface="Ebrima"/>
       </a:minorFont>
     </a:fontScheme>
     <a:fmtScheme name="Office">

--- a/Замъците в Средновековието.pptx
+++ b/Замъците в Средновековието.pptx
@@ -9,7 +9,9 @@
     <p:sldId id="257" r:id="rId3"/>
     <p:sldId id="258" r:id="rId4"/>
     <p:sldId id="259" r:id="rId5"/>
-    <p:sldId id="260" r:id="rId6"/>
+    <p:sldId id="261" r:id="rId6"/>
+    <p:sldId id="262" r:id="rId7"/>
+    <p:sldId id="260" r:id="rId8"/>
   </p:sldIdLst>
   <p:sldSz cx="12192000" cy="6858000"/>
   <p:notesSz cx="6858000" cy="9144000"/>
@@ -3063,6 +3065,13 @@
   <p:clrMapOvr>
     <a:masterClrMapping/>
   </p:clrMapOvr>
+  <p:timing>
+    <p:tnLst>
+      <p:par>
+        <p:cTn id="1" dur="indefinite" restart="never" nodeType="tmRoot"/>
+      </p:par>
+    </p:tnLst>
+  </p:timing>
 </p:sld>
 </file>
 
@@ -3135,6 +3144,13 @@
   <p:clrMapOvr>
     <a:masterClrMapping/>
   </p:clrMapOvr>
+  <p:timing>
+    <p:tnLst>
+      <p:par>
+        <p:cTn id="1" dur="indefinite" restart="never" nodeType="tmRoot"/>
+      </p:par>
+    </p:tnLst>
+  </p:timing>
 </p:sld>
 </file>
 
@@ -3207,6 +3223,13 @@
   <p:clrMapOvr>
     <a:masterClrMapping/>
   </p:clrMapOvr>
+  <p:timing>
+    <p:tnLst>
+      <p:par>
+        <p:cTn id="1" dur="indefinite" restart="never" nodeType="tmRoot"/>
+      </p:par>
+    </p:tnLst>
+  </p:timing>
 </p:sld>
 </file>
 
@@ -3237,38 +3260,117 @@
             <p:ph type="title"/>
           </p:nvPr>
         </p:nvSpPr>
-        <p:spPr/>
-        <p:txBody>
-          <a:bodyPr/>
-          <a:lstStyle/>
-          <a:p>
+        <p:spPr>
+          <a:xfrm>
+            <a:off x="838200" y="0"/>
+            <a:ext cx="10515600" cy="1325563"/>
+          </a:xfrm>
+        </p:spPr>
+        <p:txBody>
+          <a:bodyPr>
+            <a:normAutofit/>
+          </a:bodyPr>
+          <a:lstStyle/>
+          <a:p>
+            <a:pPr algn="ctr"/>
+            <a:r>
+              <a:rPr lang="bg-BG" sz="6000" b="1" dirty="0" smtClean="0"/>
+              <a:t>Защита на замъка</a:t>
+            </a:r>
+            <a:endParaRPr lang="en-GB" sz="6000" b="1" dirty="0"/>
+          </a:p>
+        </p:txBody>
+      </p:sp>
+      <p:sp>
+        <p:nvSpPr>
+          <p:cNvPr id="3" name="Content Placeholder 2"/>
+          <p:cNvSpPr>
+            <a:spLocks noGrp="1"/>
+          </p:cNvSpPr>
+          <p:nvPr>
+            <p:ph idx="1"/>
+          </p:nvPr>
+        </p:nvSpPr>
+        <p:spPr>
+          <a:xfrm>
+            <a:off x="838200" y="1133114"/>
+            <a:ext cx="10957560" cy="4351338"/>
+          </a:xfrm>
+        </p:spPr>
+        <p:txBody>
+          <a:bodyPr/>
+          <a:lstStyle/>
+          <a:p>
+            <a:pPr marL="0" indent="0">
+              <a:buNone/>
+            </a:pPr>
             <a:r>
               <a:rPr lang="bg-BG" dirty="0" smtClean="0"/>
-              <a:t>Защита на замъка</a:t>
+              <a:t>Най-важните защита на замъка освен графския гарнизон е каменната стена. Тя се строи дебела за да може да устои на вражеските катапулти и тарани. Портата на замъка е направено от обковано в желязо дърво, като може да има допълнителна метална решетка. Отгоре на стената зад прикритето на зъберите се намират стрелците. Най-високата от всички кули също служела за защита - Наблюдателната кула</a:t>
             </a:r>
             <a:endParaRPr lang="en-GB" dirty="0"/>
           </a:p>
         </p:txBody>
       </p:sp>
-      <p:sp>
-        <p:nvSpPr>
-          <p:cNvPr id="3" name="Content Placeholder 2"/>
-          <p:cNvSpPr>
-            <a:spLocks noGrp="1"/>
-          </p:cNvSpPr>
-          <p:nvPr>
-            <p:ph idx="1"/>
-          </p:nvPr>
-        </p:nvSpPr>
-        <p:spPr/>
-        <p:txBody>
-          <a:bodyPr/>
-          <a:lstStyle/>
-          <a:p>
-            <a:endParaRPr lang="en-GB"/>
-          </a:p>
-        </p:txBody>
-      </p:sp>
+      <p:pic>
+        <p:nvPicPr>
+          <p:cNvPr id="4" name="Picture 3"/>
+          <p:cNvPicPr>
+            <a:picLocks noChangeAspect="1"/>
+          </p:cNvPicPr>
+          <p:nvPr/>
+        </p:nvPicPr>
+        <p:blipFill rotWithShape="1">
+          <a:blip r:embed="rId2">
+            <a:extLst>
+              <a:ext uri="{28A0092B-C50C-407E-A947-70E740481C1C}">
+                <a14:useLocalDpi xmlns:a14="http://schemas.microsoft.com/office/drawing/2010/main" val="0"/>
+              </a:ext>
+            </a:extLst>
+          </a:blip>
+          <a:srcRect l="-488" t="32200" r="20958"/>
+          <a:stretch/>
+        </p:blipFill>
+        <p:spPr>
+          <a:xfrm>
+            <a:off x="838200" y="3892732"/>
+            <a:ext cx="5878285" cy="2860901"/>
+          </a:xfrm>
+          <a:prstGeom prst="rect">
+            <a:avLst/>
+          </a:prstGeom>
+        </p:spPr>
+      </p:pic>
+      <p:pic>
+        <p:nvPicPr>
+          <p:cNvPr id="6" name="Picture 5"/>
+          <p:cNvPicPr>
+            <a:picLocks noChangeAspect="1"/>
+          </p:cNvPicPr>
+          <p:nvPr/>
+        </p:nvPicPr>
+        <p:blipFill>
+          <a:blip r:embed="rId3" cstate="print">
+            <a:extLst>
+              <a:ext uri="{28A0092B-C50C-407E-A947-70E740481C1C}">
+                <a14:useLocalDpi xmlns:a14="http://schemas.microsoft.com/office/drawing/2010/main" val="0"/>
+              </a:ext>
+            </a:extLst>
+          </a:blip>
+          <a:stretch>
+            <a:fillRect/>
+          </a:stretch>
+        </p:blipFill>
+        <p:spPr>
+          <a:xfrm>
+            <a:off x="7537268" y="3892731"/>
+            <a:ext cx="4049486" cy="2860901"/>
+          </a:xfrm>
+          <a:prstGeom prst="rect">
+            <a:avLst/>
+          </a:prstGeom>
+        </p:spPr>
+      </p:pic>
     </p:spTree>
     <p:extLst>
       <p:ext uri="{BB962C8B-B14F-4D97-AF65-F5344CB8AC3E}">
@@ -3279,6 +3381,13 @@
   <p:clrMapOvr>
     <a:masterClrMapping/>
   </p:clrMapOvr>
+  <p:timing>
+    <p:tnLst>
+      <p:par>
+        <p:cTn id="1" dur="indefinite" restart="never" nodeType="tmRoot"/>
+      </p:par>
+    </p:tnLst>
+  </p:timing>
 </p:sld>
 </file>
 
@@ -3311,14 +3420,243 @@
         </p:nvSpPr>
         <p:spPr/>
         <p:txBody>
-          <a:bodyPr/>
-          <a:lstStyle/>
-          <a:p>
-            <a:r>
-              <a:rPr lang="bg-BG" smtClean="0"/>
+          <a:bodyPr>
+            <a:normAutofit/>
+          </a:bodyPr>
+          <a:lstStyle/>
+          <a:p>
+            <a:pPr algn="ctr"/>
+            <a:r>
+              <a:rPr lang="bg-BG" sz="7200" b="1" dirty="0" smtClean="0"/>
+              <a:t>Ров</a:t>
+            </a:r>
+            <a:endParaRPr lang="en-GB" sz="7200" b="1" dirty="0"/>
+          </a:p>
+        </p:txBody>
+      </p:sp>
+      <p:sp>
+        <p:nvSpPr>
+          <p:cNvPr id="3" name="Content Placeholder 2"/>
+          <p:cNvSpPr>
+            <a:spLocks noGrp="1"/>
+          </p:cNvSpPr>
+          <p:nvPr>
+            <p:ph idx="1"/>
+          </p:nvPr>
+        </p:nvSpPr>
+        <p:spPr>
+          <a:xfrm>
+            <a:off x="838200" y="1825625"/>
+            <a:ext cx="5040086" cy="4351338"/>
+          </a:xfrm>
+        </p:spPr>
+        <p:txBody>
+          <a:bodyPr/>
+          <a:lstStyle/>
+          <a:p>
+            <a:pPr marL="0" indent="0">
+              <a:buNone/>
+            </a:pPr>
+            <a:r>
+              <a:rPr lang="bg-BG" dirty="0"/>
+              <a:t>А</a:t>
+            </a:r>
+            <a:r>
+              <a:rPr lang="bg-BG" dirty="0" smtClean="0"/>
+              <a:t>ко замъкът не се намирал на достатъчно високо място, той</a:t>
+            </a:r>
+            <a:r>
+              <a:rPr lang="bg-BG" dirty="0" smtClean="0"/>
+              <a:t> бил заобиколен от дълбок ров пълен с вода. Ровът пречел на вражеските нашественици да сложат своите стълби на стената на замъка и да проникнат в него. Подвижен  мост е преминавал над рова.</a:t>
+            </a:r>
+            <a:endParaRPr lang="en-GB" dirty="0"/>
+          </a:p>
+        </p:txBody>
+      </p:sp>
+      <p:pic>
+        <p:nvPicPr>
+          <p:cNvPr id="4" name="Picture 3"/>
+          <p:cNvPicPr>
+            <a:picLocks noChangeAspect="1"/>
+          </p:cNvPicPr>
+          <p:nvPr/>
+        </p:nvPicPr>
+        <p:blipFill>
+          <a:blip r:embed="rId2">
+            <a:extLst>
+              <a:ext uri="{28A0092B-C50C-407E-A947-70E740481C1C}">
+                <a14:useLocalDpi xmlns:a14="http://schemas.microsoft.com/office/drawing/2010/main" val="0"/>
+              </a:ext>
+            </a:extLst>
+          </a:blip>
+          <a:stretch>
+            <a:fillRect/>
+          </a:stretch>
+        </p:blipFill>
+        <p:spPr>
+          <a:xfrm>
+            <a:off x="6095999" y="1690687"/>
+            <a:ext cx="5420056" cy="4657861"/>
+          </a:xfrm>
+          <a:prstGeom prst="rect">
+            <a:avLst/>
+          </a:prstGeom>
+        </p:spPr>
+      </p:pic>
+    </p:spTree>
+    <p:extLst>
+      <p:ext uri="{BB962C8B-B14F-4D97-AF65-F5344CB8AC3E}">
+        <p14:creationId xmlns:p14="http://schemas.microsoft.com/office/powerpoint/2010/main" val="2652440659"/>
+      </p:ext>
+    </p:extLst>
+  </p:cSld>
+  <p:clrMapOvr>
+    <a:masterClrMapping/>
+  </p:clrMapOvr>
+  <p:timing>
+    <p:tnLst>
+      <p:par>
+        <p:cTn id="1" dur="indefinite" restart="never" nodeType="tmRoot"/>
+      </p:par>
+    </p:tnLst>
+  </p:timing>
+</p:sld>
+</file>
+
+<file path=ppt/slides/slide6.xml><?xml version="1.0" encoding="utf-8"?>
+<p:sld xmlns:a="http://schemas.openxmlformats.org/drawingml/2006/main" xmlns:r="http://schemas.openxmlformats.org/officeDocument/2006/relationships" xmlns:p="http://schemas.openxmlformats.org/presentationml/2006/main">
+  <p:cSld>
+    <p:spTree>
+      <p:nvGrpSpPr>
+        <p:cNvPr id="1" name=""/>
+        <p:cNvGrpSpPr/>
+        <p:nvPr/>
+      </p:nvGrpSpPr>
+      <p:grpSpPr>
+        <a:xfrm>
+          <a:off x="0" y="0"/>
+          <a:ext cx="0" cy="0"/>
+          <a:chOff x="0" y="0"/>
+          <a:chExt cx="0" cy="0"/>
+        </a:xfrm>
+      </p:grpSpPr>
+      <p:sp>
+        <p:nvSpPr>
+          <p:cNvPr id="2" name="Title 1"/>
+          <p:cNvSpPr>
+            <a:spLocks noGrp="1"/>
+          </p:cNvSpPr>
+          <p:nvPr>
+            <p:ph type="title"/>
+          </p:nvPr>
+        </p:nvSpPr>
+        <p:spPr>
+          <a:xfrm>
+            <a:off x="825137" y="0"/>
+            <a:ext cx="10515600" cy="1325563"/>
+          </a:xfrm>
+        </p:spPr>
+        <p:txBody>
+          <a:bodyPr/>
+          <a:lstStyle/>
+          <a:p>
+            <a:pPr algn="ctr"/>
+            <a:r>
+              <a:rPr lang="bg-BG" sz="7200" b="1" dirty="0" smtClean="0"/>
+              <a:t>Ров</a:t>
+            </a:r>
+            <a:endParaRPr lang="en-GB" sz="7200" b="1" dirty="0"/>
+          </a:p>
+        </p:txBody>
+      </p:sp>
+      <p:pic>
+        <p:nvPicPr>
+          <p:cNvPr id="6" name="Picture 5"/>
+          <p:cNvPicPr>
+            <a:picLocks noChangeAspect="1"/>
+          </p:cNvPicPr>
+          <p:nvPr/>
+        </p:nvPicPr>
+        <p:blipFill>
+          <a:blip r:embed="rId2">
+            <a:extLst>
+              <a:ext uri="{28A0092B-C50C-407E-A947-70E740481C1C}">
+                <a14:useLocalDpi xmlns:a14="http://schemas.microsoft.com/office/drawing/2010/main" val="0"/>
+              </a:ext>
+            </a:extLst>
+          </a:blip>
+          <a:stretch>
+            <a:fillRect/>
+          </a:stretch>
+        </p:blipFill>
+        <p:spPr>
+          <a:xfrm>
+            <a:off x="2169159" y="987334"/>
+            <a:ext cx="7827555" cy="5870666"/>
+          </a:xfrm>
+          <a:prstGeom prst="rect">
+            <a:avLst/>
+          </a:prstGeom>
+        </p:spPr>
+      </p:pic>
+    </p:spTree>
+    <p:extLst>
+      <p:ext uri="{BB962C8B-B14F-4D97-AF65-F5344CB8AC3E}">
+        <p14:creationId xmlns:p14="http://schemas.microsoft.com/office/powerpoint/2010/main" val="4280436805"/>
+      </p:ext>
+    </p:extLst>
+  </p:cSld>
+  <p:clrMapOvr>
+    <a:masterClrMapping/>
+  </p:clrMapOvr>
+  <p:timing>
+    <p:tnLst>
+      <p:par>
+        <p:cTn id="1" dur="indefinite" restart="never" nodeType="tmRoot"/>
+      </p:par>
+    </p:tnLst>
+  </p:timing>
+</p:sld>
+</file>
+
+<file path=ppt/slides/slide7.xml><?xml version="1.0" encoding="utf-8"?>
+<p:sld xmlns:a="http://schemas.openxmlformats.org/drawingml/2006/main" xmlns:r="http://schemas.openxmlformats.org/officeDocument/2006/relationships" xmlns:p="http://schemas.openxmlformats.org/presentationml/2006/main">
+  <p:cSld>
+    <p:spTree>
+      <p:nvGrpSpPr>
+        <p:cNvPr id="1" name=""/>
+        <p:cNvGrpSpPr/>
+        <p:nvPr/>
+      </p:nvGrpSpPr>
+      <p:grpSpPr>
+        <a:xfrm>
+          <a:off x="0" y="0"/>
+          <a:ext cx="0" cy="0"/>
+          <a:chOff x="0" y="0"/>
+          <a:chExt cx="0" cy="0"/>
+        </a:xfrm>
+      </p:grpSpPr>
+      <p:sp>
+        <p:nvSpPr>
+          <p:cNvPr id="2" name="Title 1"/>
+          <p:cNvSpPr>
+            <a:spLocks noGrp="1"/>
+          </p:cNvSpPr>
+          <p:nvPr>
+            <p:ph type="title"/>
+          </p:nvPr>
+        </p:nvSpPr>
+        <p:spPr/>
+        <p:txBody>
+          <a:bodyPr/>
+          <a:lstStyle/>
+          <a:p>
+            <a:pPr algn="ctr"/>
+            <a:r>
+              <a:rPr lang="bg-BG" b="1" dirty="0" smtClean="0"/>
               <a:t>Животът в замъците</a:t>
             </a:r>
-            <a:endParaRPr lang="en-GB"/>
+            <a:endParaRPr lang="en-GB" b="1" dirty="0"/>
           </a:p>
         </p:txBody>
       </p:sp>
@@ -3337,7 +3675,10 @@
           <a:bodyPr/>
           <a:lstStyle/>
           <a:p>
-            <a:endParaRPr lang="en-GB"/>
+            <a:pPr marL="0" indent="0">
+              <a:buNone/>
+            </a:pPr>
+            <a:endParaRPr lang="en-GB" dirty="0"/>
           </a:p>
         </p:txBody>
       </p:sp>
@@ -3351,6 +3692,13 @@
   <p:clrMapOvr>
     <a:masterClrMapping/>
   </p:clrMapOvr>
+  <p:timing>
+    <p:tnLst>
+      <p:par>
+        <p:cTn id="1" dur="indefinite" restart="never" nodeType="tmRoot"/>
+      </p:par>
+    </p:tnLst>
+  </p:timing>
 </p:sld>
 </file>
 

--- a/Замъците в Средновековието.pptx
+++ b/Замъците в Средновековието.pptx
@@ -3339,6 +3339,16 @@
           <a:prstGeom prst="rect">
             <a:avLst/>
           </a:prstGeom>
+          <a:ln>
+            <a:noFill/>
+          </a:ln>
+          <a:effectLst>
+            <a:outerShdw blurRad="292100" dist="139700" dir="2700000" algn="tl" rotWithShape="0">
+              <a:srgbClr val="333333">
+                <a:alpha val="65000"/>
+              </a:srgbClr>
+            </a:outerShdw>
+          </a:effectLst>
         </p:spPr>
       </p:pic>
       <p:pic>
@@ -3369,6 +3379,16 @@
           <a:prstGeom prst="rect">
             <a:avLst/>
           </a:prstGeom>
+          <a:ln>
+            <a:noFill/>
+          </a:ln>
+          <a:effectLst>
+            <a:outerShdw blurRad="292100" dist="139700" dir="2700000" algn="tl" rotWithShape="0">
+              <a:srgbClr val="333333">
+                <a:alpha val="65000"/>
+              </a:srgbClr>
+            </a:outerShdw>
+          </a:effectLst>
         </p:spPr>
       </p:pic>
     </p:spTree>
@@ -3501,6 +3521,16 @@
           <a:prstGeom prst="rect">
             <a:avLst/>
           </a:prstGeom>
+          <a:ln>
+            <a:noFill/>
+          </a:ln>
+          <a:effectLst>
+            <a:outerShdw blurRad="292100" dist="139700" dir="2700000" algn="tl" rotWithShape="0">
+              <a:srgbClr val="333333">
+                <a:alpha val="65000"/>
+              </a:srgbClr>
+            </a:outerShdw>
+          </a:effectLst>
         </p:spPr>
       </p:pic>
     </p:spTree>
@@ -3540,38 +3570,9 @@
           <a:chExt cx="0" cy="0"/>
         </a:xfrm>
       </p:grpSpPr>
-      <p:sp>
-        <p:nvSpPr>
-          <p:cNvPr id="2" name="Title 1"/>
-          <p:cNvSpPr>
-            <a:spLocks noGrp="1"/>
-          </p:cNvSpPr>
-          <p:nvPr>
-            <p:ph type="title"/>
-          </p:nvPr>
-        </p:nvSpPr>
-        <p:spPr>
-          <a:xfrm>
-            <a:off x="825137" y="0"/>
-            <a:ext cx="10515600" cy="1325563"/>
-          </a:xfrm>
-        </p:spPr>
-        <p:txBody>
-          <a:bodyPr/>
-          <a:lstStyle/>
-          <a:p>
-            <a:pPr algn="ctr"/>
-            <a:r>
-              <a:rPr lang="bg-BG" sz="7200" b="1" dirty="0" smtClean="0"/>
-              <a:t>Ров</a:t>
-            </a:r>
-            <a:endParaRPr lang="en-GB" sz="7200" b="1" dirty="0"/>
-          </a:p>
-        </p:txBody>
-      </p:sp>
       <p:pic>
         <p:nvPicPr>
-          <p:cNvPr id="6" name="Picture 5"/>
+          <p:cNvPr id="8" name="Picture 7"/>
           <p:cNvPicPr>
             <a:picLocks noChangeAspect="1"/>
           </p:cNvPicPr>
@@ -3591,12 +3592,62 @@
         </p:blipFill>
         <p:spPr>
           <a:xfrm>
-            <a:off x="2169159" y="987334"/>
-            <a:ext cx="7827555" cy="5870666"/>
+            <a:off x="458651" y="418013"/>
+            <a:ext cx="5576389" cy="5727922"/>
           </a:xfrm>
           <a:prstGeom prst="rect">
             <a:avLst/>
           </a:prstGeom>
+          <a:ln>
+            <a:noFill/>
+          </a:ln>
+          <a:effectLst>
+            <a:outerShdw blurRad="292100" dist="139700" dir="2700000" algn="tl" rotWithShape="0">
+              <a:srgbClr val="333333">
+                <a:alpha val="65000"/>
+              </a:srgbClr>
+            </a:outerShdw>
+          </a:effectLst>
+        </p:spPr>
+      </p:pic>
+      <p:pic>
+        <p:nvPicPr>
+          <p:cNvPr id="9" name="Picture 8"/>
+          <p:cNvPicPr>
+            <a:picLocks noChangeAspect="1"/>
+          </p:cNvPicPr>
+          <p:nvPr/>
+        </p:nvPicPr>
+        <p:blipFill>
+          <a:blip r:embed="rId3">
+            <a:extLst>
+              <a:ext uri="{28A0092B-C50C-407E-A947-70E740481C1C}">
+                <a14:useLocalDpi xmlns:a14="http://schemas.microsoft.com/office/drawing/2010/main" val="0"/>
+              </a:ext>
+            </a:extLst>
+          </a:blip>
+          <a:stretch>
+            <a:fillRect/>
+          </a:stretch>
+        </p:blipFill>
+        <p:spPr>
+          <a:xfrm>
+            <a:off x="6792686" y="418013"/>
+            <a:ext cx="4371726" cy="5852160"/>
+          </a:xfrm>
+          <a:prstGeom prst="rect">
+            <a:avLst/>
+          </a:prstGeom>
+          <a:ln>
+            <a:noFill/>
+          </a:ln>
+          <a:effectLst>
+            <a:outerShdw blurRad="292100" dist="139700" dir="2700000" algn="tl" rotWithShape="0">
+              <a:srgbClr val="333333">
+                <a:alpha val="65000"/>
+              </a:srgbClr>
+            </a:outerShdw>
+          </a:effectLst>
         </p:spPr>
       </p:pic>
     </p:spTree>
